--- a/Facespace.pptx
+++ b/Facespace.pptx
@@ -9,15 +9,14 @@
     <p:sldId id="266" r:id="rId3"/>
     <p:sldId id="257" r:id="rId4"/>
     <p:sldId id="263" r:id="rId5"/>
-    <p:sldId id="258" r:id="rId6"/>
-    <p:sldId id="259" r:id="rId7"/>
-    <p:sldId id="260" r:id="rId8"/>
-    <p:sldId id="261" r:id="rId9"/>
-    <p:sldId id="267" r:id="rId10"/>
-    <p:sldId id="262" r:id="rId11"/>
-    <p:sldId id="264" r:id="rId12"/>
-    <p:sldId id="265" r:id="rId13"/>
-    <p:sldId id="268" r:id="rId14"/>
+    <p:sldId id="259" r:id="rId6"/>
+    <p:sldId id="260" r:id="rId7"/>
+    <p:sldId id="261" r:id="rId8"/>
+    <p:sldId id="267" r:id="rId9"/>
+    <p:sldId id="262" r:id="rId10"/>
+    <p:sldId id="264" r:id="rId11"/>
+    <p:sldId id="265" r:id="rId12"/>
+    <p:sldId id="268" r:id="rId13"/>
   </p:sldIdLst>
   <p:sldSz cx="9144000" cy="6858000" type="screen4x3"/>
   <p:notesSz cx="6858000" cy="9144000"/>
@@ -118,7 +117,7 @@
   </p:defaultTextStyle>
   <p:extLst>
     <p:ext uri="{EFAFB233-063F-42B5-8137-9DF3F51BA10A}">
-      <p15:sldGuideLst xmlns:p15="http://schemas.microsoft.com/office/powerpoint/2012/main" xmlns="">
+      <p15:sldGuideLst xmlns="" xmlns:p15="http://schemas.microsoft.com/office/powerpoint/2012/main">
         <p15:guide id="1" orient="horz" pos="2160">
           <p15:clr>
             <a:srgbClr val="A4A3A4"/>
@@ -406,7 +405,7 @@
             <a:fld id="{16016DCC-ECBA-4FE1-8A13-9AD3CBCC8FC8}" type="datetimeFigureOut">
               <a:rPr lang="en-US" smtClean="0"/>
               <a:pPr/>
-              <a:t>3/19/2018</a:t>
+              <a:t>4/14/2018</a:t>
             </a:fld>
             <a:endParaRPr lang="en-US"/>
           </a:p>
@@ -607,7 +606,7 @@
             <a:fld id="{16016DCC-ECBA-4FE1-8A13-9AD3CBCC8FC8}" type="datetimeFigureOut">
               <a:rPr lang="en-US" smtClean="0"/>
               <a:pPr/>
-              <a:t>3/19/2018</a:t>
+              <a:t>4/14/2018</a:t>
             </a:fld>
             <a:endParaRPr lang="en-US"/>
           </a:p>
@@ -799,7 +798,7 @@
             <a:fld id="{16016DCC-ECBA-4FE1-8A13-9AD3CBCC8FC8}" type="datetimeFigureOut">
               <a:rPr lang="en-US" smtClean="0"/>
               <a:pPr/>
-              <a:t>3/19/2018</a:t>
+              <a:t>4/14/2018</a:t>
             </a:fld>
             <a:endParaRPr lang="en-US"/>
           </a:p>
@@ -993,7 +992,7 @@
             <a:fld id="{16016DCC-ECBA-4FE1-8A13-9AD3CBCC8FC8}" type="datetimeFigureOut">
               <a:rPr lang="en-US" smtClean="0"/>
               <a:pPr/>
-              <a:t>3/19/2018</a:t>
+              <a:t>4/14/2018</a:t>
             </a:fld>
             <a:endParaRPr lang="en-US"/>
           </a:p>
@@ -1221,7 +1220,7 @@
             <a:fld id="{16016DCC-ECBA-4FE1-8A13-9AD3CBCC8FC8}" type="datetimeFigureOut">
               <a:rPr lang="en-US" smtClean="0"/>
               <a:pPr/>
-              <a:t>3/19/2018</a:t>
+              <a:t>4/14/2018</a:t>
             </a:fld>
             <a:endParaRPr lang="en-US"/>
           </a:p>
@@ -1514,7 +1513,7 @@
             <a:fld id="{16016DCC-ECBA-4FE1-8A13-9AD3CBCC8FC8}" type="datetimeFigureOut">
               <a:rPr lang="en-US" smtClean="0"/>
               <a:pPr/>
-              <a:t>3/19/2018</a:t>
+              <a:t>4/14/2018</a:t>
             </a:fld>
             <a:endParaRPr lang="en-US"/>
           </a:p>
@@ -1947,7 +1946,7 @@
             <a:fld id="{16016DCC-ECBA-4FE1-8A13-9AD3CBCC8FC8}" type="datetimeFigureOut">
               <a:rPr lang="en-US" smtClean="0"/>
               <a:pPr/>
-              <a:t>3/19/2018</a:t>
+              <a:t>4/14/2018</a:t>
             </a:fld>
             <a:endParaRPr lang="en-US"/>
           </a:p>
@@ -2075,7 +2074,7 @@
             <a:fld id="{16016DCC-ECBA-4FE1-8A13-9AD3CBCC8FC8}" type="datetimeFigureOut">
               <a:rPr lang="en-US" smtClean="0"/>
               <a:pPr/>
-              <a:t>3/19/2018</a:t>
+              <a:t>4/14/2018</a:t>
             </a:fld>
             <a:endParaRPr lang="en-US"/>
           </a:p>
@@ -2180,7 +2179,7 @@
             <a:fld id="{16016DCC-ECBA-4FE1-8A13-9AD3CBCC8FC8}" type="datetimeFigureOut">
               <a:rPr lang="en-US" smtClean="0"/>
               <a:pPr/>
-              <a:t>3/19/2018</a:t>
+              <a:t>4/14/2018</a:t>
             </a:fld>
             <a:endParaRPr lang="en-US"/>
           </a:p>
@@ -2451,7 +2450,7 @@
             <a:fld id="{16016DCC-ECBA-4FE1-8A13-9AD3CBCC8FC8}" type="datetimeFigureOut">
               <a:rPr lang="en-US" smtClean="0"/>
               <a:pPr/>
-              <a:t>3/19/2018</a:t>
+              <a:t>4/14/2018</a:t>
             </a:fld>
             <a:endParaRPr lang="en-US"/>
           </a:p>
@@ -2817,7 +2816,7 @@
             <a:fld id="{16016DCC-ECBA-4FE1-8A13-9AD3CBCC8FC8}" type="datetimeFigureOut">
               <a:rPr lang="en-US" smtClean="0"/>
               <a:pPr/>
-              <a:t>3/19/2018</a:t>
+              <a:t>4/14/2018</a:t>
             </a:fld>
             <a:endParaRPr lang="en-US"/>
           </a:p>
@@ -3174,7 +3173,7 @@
             <a:fld id="{16016DCC-ECBA-4FE1-8A13-9AD3CBCC8FC8}" type="datetimeFigureOut">
               <a:rPr lang="en-US" smtClean="0"/>
               <a:pPr/>
-              <a:t>3/19/2018</a:t>
+              <a:t>4/14/2018</a:t>
             </a:fld>
             <a:endParaRPr lang="en-US"/>
           </a:p>
@@ -3641,6 +3640,10 @@
               <a:rPr lang="en-US" dirty="0" err="1" smtClean="0"/>
               <a:t>Facespace</a:t>
             </a:r>
+            <a:r>
+              <a:rPr lang="en-US" dirty="0" smtClean="0"/>
+              <a:t> v2</a:t>
+            </a:r>
             <a:endParaRPr lang="en-US" dirty="0"/>
           </a:p>
         </p:txBody>
@@ -3732,131 +3735,125 @@
           <a:lstStyle/>
           <a:p>
             <a:r>
+              <a:rPr lang="en-US" dirty="0" smtClean="0"/>
+              <a:t>Testing</a:t>
+            </a:r>
+            <a:endParaRPr lang="en-US" dirty="0"/>
+          </a:p>
+        </p:txBody>
+      </p:sp>
+      <p:pic>
+        <p:nvPicPr>
+          <p:cNvPr id="6" name="Content Placeholder 5" descr="edittest.PNG"/>
+          <p:cNvPicPr>
+            <a:picLocks noGrp="1" noChangeAspect="1"/>
+          </p:cNvPicPr>
+          <p:nvPr>
+            <p:ph sz="half" idx="1"/>
+          </p:nvPr>
+        </p:nvPicPr>
+        <p:blipFill>
+          <a:blip r:embed="rId2"/>
+          <a:stretch>
+            <a:fillRect/>
+          </a:stretch>
+        </p:blipFill>
+        <p:spPr>
+          <a:xfrm>
+            <a:off x="569682" y="2567600"/>
+            <a:ext cx="3296110" cy="2591162"/>
+          </a:xfrm>
+        </p:spPr>
+      </p:pic>
+      <p:sp>
+        <p:nvSpPr>
+          <p:cNvPr id="5" name="Content Placeholder 4"/>
+          <p:cNvSpPr>
+            <a:spLocks noGrp="1"/>
+          </p:cNvSpPr>
+          <p:nvPr>
+            <p:ph sz="half" idx="2"/>
+          </p:nvPr>
+        </p:nvSpPr>
+        <p:spPr>
+          <a:xfrm>
+            <a:off x="3276600" y="1600200"/>
+            <a:ext cx="4422648" cy="4525963"/>
+          </a:xfrm>
+        </p:spPr>
+        <p:txBody>
+          <a:bodyPr>
+            <a:normAutofit/>
+          </a:bodyPr>
+          <a:lstStyle/>
+          <a:p>
+            <a:r>
+              <a:rPr lang="en-US" dirty="0" smtClean="0"/>
+              <a:t>Edit profile</a:t>
+            </a:r>
+          </a:p>
+          <a:p>
+            <a:pPr lvl="1"/>
+            <a:r>
+              <a:rPr lang="en-US" dirty="0" smtClean="0"/>
+              <a:t>Required login to update</a:t>
+            </a:r>
+          </a:p>
+          <a:p>
+            <a:pPr lvl="1"/>
+            <a:endParaRPr lang="en-US" dirty="0" smtClean="0"/>
+          </a:p>
+          <a:p>
+            <a:r>
+              <a:rPr lang="en-US" dirty="0" smtClean="0"/>
+              <a:t>Background IMG</a:t>
+            </a:r>
+          </a:p>
+          <a:p>
+            <a:pPr lvl="1"/>
+            <a:r>
+              <a:rPr lang="en-US" dirty="0" smtClean="0"/>
+              <a:t>wasn’t displaying background </a:t>
+            </a:r>
+          </a:p>
+          <a:p>
+            <a:pPr lvl="1"/>
+            <a:r>
+              <a:rPr lang="en-US" dirty="0" smtClean="0"/>
+              <a:t>Inline </a:t>
+            </a:r>
+            <a:r>
               <a:rPr lang="en-US" dirty="0" err="1" smtClean="0"/>
-              <a:t>Friend_home</a:t>
-            </a:r>
-            <a:endParaRPr lang="en-US" dirty="0"/>
-          </a:p>
-        </p:txBody>
-      </p:sp>
-      <p:sp>
-        <p:nvSpPr>
-          <p:cNvPr id="3" name="Content Placeholder 2"/>
-          <p:cNvSpPr>
-            <a:spLocks noGrp="1"/>
-          </p:cNvSpPr>
-          <p:nvPr>
-            <p:ph idx="1"/>
-          </p:nvPr>
-        </p:nvSpPr>
-        <p:spPr/>
-        <p:txBody>
-          <a:bodyPr/>
-          <a:lstStyle/>
-          <a:p>
-            <a:r>
-              <a:rPr lang="en-US" dirty="0" smtClean="0"/>
-              <a:t>All friend links go to same friend_home.php</a:t>
-            </a:r>
-          </a:p>
-          <a:p>
-            <a:r>
-              <a:rPr lang="en-US" dirty="0" smtClean="0"/>
-              <a:t>Display </a:t>
-            </a:r>
-            <a:r>
-              <a:rPr lang="en-US" dirty="0" smtClean="0"/>
-              <a:t>based </a:t>
-            </a:r>
-            <a:r>
-              <a:rPr lang="en-US" dirty="0" smtClean="0"/>
-              <a:t>on </a:t>
-            </a:r>
-            <a:r>
-              <a:rPr lang="en-US" dirty="0" smtClean="0"/>
-              <a:t>following</a:t>
+              <a:t>php</a:t>
             </a:r>
             <a:endParaRPr lang="en-US" dirty="0" smtClean="0"/>
           </a:p>
           <a:p>
-            <a:r>
-              <a:rPr lang="en-US" dirty="0" smtClean="0"/>
-              <a:t>&lt;a </a:t>
+            <a:pPr lvl="1"/>
+            <a:r>
+              <a:rPr lang="en-US" dirty="0" smtClean="0"/>
+              <a:t>style= "background-image: </a:t>
             </a:r>
             <a:r>
               <a:rPr lang="en-US" dirty="0" err="1" smtClean="0"/>
-              <a:t>href</a:t>
-            </a:r>
-            <a:r>
-              <a:rPr lang="en-US" dirty="0" smtClean="0"/>
-              <a:t>='</a:t>
+              <a:t>url</a:t>
+            </a:r>
+            <a:r>
+              <a:rPr lang="en-US" dirty="0" smtClean="0"/>
+              <a:t>(‘ &lt;?</a:t>
             </a:r>
             <a:r>
               <a:rPr lang="en-US" dirty="0" err="1" smtClean="0"/>
-              <a:t>friend_home.php</a:t>
-            </a:r>
-            <a:r>
-              <a:rPr lang="en-US" dirty="0" err="1" smtClean="0">
-                <a:solidFill>
-                  <a:srgbClr val="FF0000"/>
-                </a:solidFill>
-              </a:rPr>
-              <a:t>?fname</a:t>
-            </a:r>
-            <a:r>
-              <a:rPr lang="en-US" dirty="0" smtClean="0">
-                <a:solidFill>
-                  <a:srgbClr val="FF0000"/>
-                </a:solidFill>
-              </a:rPr>
-              <a:t>=$friends</a:t>
-            </a:r>
-            <a:r>
-              <a:rPr lang="en-US" dirty="0" smtClean="0"/>
-              <a:t>'&gt;</a:t>
-            </a:r>
-          </a:p>
-          <a:p>
-            <a:r>
-              <a:rPr lang="en-US" dirty="0" smtClean="0"/>
-              <a:t>Doesn’t display </a:t>
-            </a:r>
-            <a:r>
-              <a:rPr lang="en-US" dirty="0" smtClean="0"/>
-              <a:t>status edit</a:t>
-            </a:r>
-          </a:p>
-          <a:p>
-            <a:r>
-              <a:rPr lang="en-US" dirty="0" smtClean="0"/>
-              <a:t>Displays </a:t>
-            </a:r>
-            <a:r>
-              <a:rPr lang="en-US" dirty="0" smtClean="0"/>
-              <a:t>wall </a:t>
-            </a:r>
-            <a:r>
-              <a:rPr lang="en-US" dirty="0" smtClean="0"/>
-              <a:t>post</a:t>
-            </a:r>
-          </a:p>
-          <a:p>
+              <a:t>php</a:t>
+            </a:r>
+            <a:r>
+              <a:rPr lang="en-US" dirty="0" smtClean="0"/>
+              <a:t> echo $background;?&gt;’)</a:t>
+            </a:r>
+          </a:p>
+          <a:p>
+            <a:pPr lvl="1"/>
             <a:endParaRPr lang="en-US" dirty="0" smtClean="0"/>
-          </a:p>
-          <a:p>
-            <a:r>
-              <a:rPr lang="en-US" dirty="0" smtClean="0"/>
-              <a:t>$sql2 = "UPDATE project3 SET Wall1='$wall' WHERE Username='$</a:t>
-            </a:r>
-            <a:r>
-              <a:rPr lang="en-US" dirty="0" err="1" smtClean="0"/>
-              <a:t>fname</a:t>
-            </a:r>
-            <a:r>
-              <a:rPr lang="en-US" dirty="0" smtClean="0"/>
-              <a:t>'";</a:t>
-            </a:r>
-            <a:endParaRPr lang="en-US" dirty="0"/>
           </a:p>
         </p:txBody>
       </p:sp>
@@ -3902,38 +3899,60 @@
           <a:p>
             <a:r>
               <a:rPr lang="en-US" dirty="0" smtClean="0"/>
-              <a:t>Testing</a:t>
+              <a:t>testing</a:t>
             </a:r>
             <a:endParaRPr lang="en-US" dirty="0"/>
           </a:p>
         </p:txBody>
       </p:sp>
-      <p:pic>
-        <p:nvPicPr>
-          <p:cNvPr id="6" name="Content Placeholder 5" descr="edittest.PNG"/>
-          <p:cNvPicPr>
-            <a:picLocks noGrp="1" noChangeAspect="1"/>
-          </p:cNvPicPr>
+      <p:sp>
+        <p:nvSpPr>
+          <p:cNvPr id="13" name="Content Placeholder 12"/>
+          <p:cNvSpPr>
+            <a:spLocks noGrp="1"/>
+          </p:cNvSpPr>
           <p:nvPr>
             <p:ph sz="half" idx="1"/>
           </p:nvPr>
-        </p:nvPicPr>
-        <p:blipFill>
-          <a:blip r:embed="rId2"/>
-          <a:stretch>
-            <a:fillRect/>
-          </a:stretch>
-        </p:blipFill>
-        <p:spPr>
-          <a:xfrm>
-            <a:off x="569682" y="2567600"/>
-            <a:ext cx="3296110" cy="2591162"/>
-          </a:xfrm>
-        </p:spPr>
-      </p:pic>
-      <p:sp>
-        <p:nvSpPr>
-          <p:cNvPr id="5" name="Content Placeholder 4"/>
+        </p:nvSpPr>
+        <p:spPr/>
+        <p:txBody>
+          <a:bodyPr/>
+          <a:lstStyle/>
+          <a:p>
+            <a:r>
+              <a:rPr lang="en-US" dirty="0" err="1" smtClean="0"/>
+              <a:t>User_home</a:t>
+            </a:r>
+            <a:endParaRPr lang="en-US" dirty="0" smtClean="0"/>
+          </a:p>
+          <a:p>
+            <a:pPr lvl="1"/>
+            <a:r>
+              <a:rPr lang="en-US" dirty="0" smtClean="0"/>
+              <a:t>Updating Status</a:t>
+            </a:r>
+          </a:p>
+          <a:p>
+            <a:pPr lvl="1"/>
+            <a:r>
+              <a:rPr lang="en-US" dirty="0" smtClean="0"/>
+              <a:t>Showing the current users status</a:t>
+            </a:r>
+          </a:p>
+          <a:p>
+            <a:pPr lvl="1"/>
+            <a:r>
+              <a:rPr lang="en-US" dirty="0" smtClean="0"/>
+              <a:t>Different $_SESSION based on logged in user or friend	</a:t>
+            </a:r>
+            <a:endParaRPr lang="en-US" dirty="0"/>
+          </a:p>
+        </p:txBody>
+      </p:sp>
+      <p:sp>
+        <p:nvSpPr>
+          <p:cNvPr id="14" name="Content Placeholder 13"/>
           <p:cNvSpPr>
             <a:spLocks noGrp="1"/>
           </p:cNvSpPr>
@@ -3941,93 +3960,37 @@
             <p:ph sz="half" idx="2"/>
           </p:nvPr>
         </p:nvSpPr>
-        <p:spPr>
-          <a:xfrm>
-            <a:off x="3276600" y="1600200"/>
-            <a:ext cx="4422648" cy="4525963"/>
-          </a:xfrm>
-        </p:spPr>
-        <p:txBody>
-          <a:bodyPr>
-            <a:normAutofit/>
-          </a:bodyPr>
+        <p:spPr/>
+        <p:txBody>
+          <a:bodyPr/>
           <a:lstStyle/>
           <a:p>
             <a:r>
-              <a:rPr lang="en-US" dirty="0" smtClean="0"/>
-              <a:t>Edit profile</a:t>
-            </a:r>
+              <a:rPr lang="en-US" dirty="0" err="1" smtClean="0"/>
+              <a:t>Friend_home</a:t>
+            </a:r>
+            <a:endParaRPr lang="en-US" dirty="0" smtClean="0"/>
           </a:p>
           <a:p>
             <a:pPr lvl="1"/>
             <a:r>
               <a:rPr lang="en-US" dirty="0" smtClean="0"/>
-              <a:t>Required login to update</a:t>
+              <a:t>Able to write on wall</a:t>
             </a:r>
           </a:p>
           <a:p>
             <a:pPr lvl="1"/>
-            <a:endParaRPr lang="en-US" dirty="0" smtClean="0"/>
-          </a:p>
-          <a:p>
-            <a:r>
-              <a:rPr lang="en-US" dirty="0" smtClean="0"/>
-              <a:t>Background IMG</a:t>
+            <a:r>
+              <a:rPr lang="en-US" dirty="0" smtClean="0"/>
+              <a:t>Showing wall posts that belong to that user</a:t>
             </a:r>
           </a:p>
           <a:p>
             <a:pPr lvl="1"/>
             <a:r>
               <a:rPr lang="en-US" dirty="0" smtClean="0"/>
-              <a:t>wasn’t </a:t>
-            </a:r>
-            <a:r>
-              <a:rPr lang="en-US" dirty="0" smtClean="0"/>
-              <a:t>displaying background </a:t>
-            </a:r>
-          </a:p>
-          <a:p>
-            <a:pPr lvl="1"/>
-            <a:r>
-              <a:rPr lang="en-US" dirty="0" smtClean="0"/>
-              <a:t>Inline </a:t>
-            </a:r>
-            <a:r>
-              <a:rPr lang="en-US" dirty="0" err="1" smtClean="0"/>
-              <a:t>php</a:t>
-            </a:r>
-            <a:endParaRPr lang="en-US" dirty="0" smtClean="0"/>
-          </a:p>
-          <a:p>
-            <a:pPr lvl="1"/>
-            <a:r>
-              <a:rPr lang="en-US" dirty="0" smtClean="0"/>
-              <a:t>style</a:t>
-            </a:r>
-            <a:r>
-              <a:rPr lang="en-US" dirty="0" smtClean="0"/>
-              <a:t>= "background-image: </a:t>
-            </a:r>
-            <a:r>
-              <a:rPr lang="en-US" dirty="0" err="1" smtClean="0"/>
-              <a:t>url</a:t>
-            </a:r>
-            <a:r>
-              <a:rPr lang="en-US" dirty="0" smtClean="0"/>
-              <a:t>(‘ &lt;?</a:t>
-            </a:r>
-            <a:r>
-              <a:rPr lang="en-US" dirty="0" err="1" smtClean="0"/>
-              <a:t>php</a:t>
-            </a:r>
-            <a:r>
-              <a:rPr lang="en-US" dirty="0" smtClean="0"/>
-              <a:t> echo $background;?&gt;’)</a:t>
-            </a:r>
-          </a:p>
-          <a:p>
-            <a:pPr lvl="1"/>
-            <a:endParaRPr lang="en-US" dirty="0" smtClean="0"/>
+              <a:t>Iterate through “null” values to write to the next wall space</a:t>
+            </a:r>
           </a:p>
         </p:txBody>
       </p:sp>
@@ -4058,148 +4021,6 @@
       </p:grpSpPr>
       <p:sp>
         <p:nvSpPr>
-          <p:cNvPr id="2" name="Title 1"/>
-          <p:cNvSpPr>
-            <a:spLocks noGrp="1"/>
-          </p:cNvSpPr>
-          <p:nvPr>
-            <p:ph type="title"/>
-          </p:nvPr>
-        </p:nvSpPr>
-        <p:spPr/>
-        <p:txBody>
-          <a:bodyPr/>
-          <a:lstStyle/>
-          <a:p>
-            <a:r>
-              <a:rPr lang="en-US" dirty="0" smtClean="0"/>
-              <a:t>testing</a:t>
-            </a:r>
-            <a:endParaRPr lang="en-US" dirty="0"/>
-          </a:p>
-        </p:txBody>
-      </p:sp>
-      <p:sp>
-        <p:nvSpPr>
-          <p:cNvPr id="13" name="Content Placeholder 12"/>
-          <p:cNvSpPr>
-            <a:spLocks noGrp="1"/>
-          </p:cNvSpPr>
-          <p:nvPr>
-            <p:ph sz="half" idx="1"/>
-          </p:nvPr>
-        </p:nvSpPr>
-        <p:spPr/>
-        <p:txBody>
-          <a:bodyPr/>
-          <a:lstStyle/>
-          <a:p>
-            <a:r>
-              <a:rPr lang="en-US" dirty="0" err="1" smtClean="0"/>
-              <a:t>User_home</a:t>
-            </a:r>
-            <a:endParaRPr lang="en-US" dirty="0" smtClean="0"/>
-          </a:p>
-          <a:p>
-            <a:pPr lvl="1"/>
-            <a:r>
-              <a:rPr lang="en-US" dirty="0" smtClean="0"/>
-              <a:t>Updating Status</a:t>
-            </a:r>
-          </a:p>
-          <a:p>
-            <a:pPr lvl="1"/>
-            <a:r>
-              <a:rPr lang="en-US" dirty="0" smtClean="0"/>
-              <a:t>Showing the current users status</a:t>
-            </a:r>
-          </a:p>
-          <a:p>
-            <a:pPr lvl="1"/>
-            <a:r>
-              <a:rPr lang="en-US" dirty="0" smtClean="0"/>
-              <a:t>Different $_SESSION based on logged in user or friend</a:t>
-            </a:r>
-            <a:r>
-              <a:rPr lang="en-US" dirty="0" smtClean="0"/>
-              <a:t>	</a:t>
-            </a:r>
-            <a:endParaRPr lang="en-US" dirty="0"/>
-          </a:p>
-        </p:txBody>
-      </p:sp>
-      <p:sp>
-        <p:nvSpPr>
-          <p:cNvPr id="14" name="Content Placeholder 13"/>
-          <p:cNvSpPr>
-            <a:spLocks noGrp="1"/>
-          </p:cNvSpPr>
-          <p:nvPr>
-            <p:ph sz="half" idx="2"/>
-          </p:nvPr>
-        </p:nvSpPr>
-        <p:spPr/>
-        <p:txBody>
-          <a:bodyPr/>
-          <a:lstStyle/>
-          <a:p>
-            <a:r>
-              <a:rPr lang="en-US" dirty="0" err="1" smtClean="0"/>
-              <a:t>Friend_home</a:t>
-            </a:r>
-            <a:endParaRPr lang="en-US" dirty="0" smtClean="0"/>
-          </a:p>
-          <a:p>
-            <a:pPr lvl="1"/>
-            <a:r>
-              <a:rPr lang="en-US" dirty="0" smtClean="0"/>
-              <a:t>Able to write on wall</a:t>
-            </a:r>
-          </a:p>
-          <a:p>
-            <a:pPr lvl="1"/>
-            <a:r>
-              <a:rPr lang="en-US" dirty="0" smtClean="0"/>
-              <a:t>Showing wall posts that belong to that user</a:t>
-            </a:r>
-          </a:p>
-          <a:p>
-            <a:pPr lvl="1"/>
-            <a:r>
-              <a:rPr lang="en-US" dirty="0" smtClean="0"/>
-              <a:t>Iterate through “null” values to write to the next wall space</a:t>
-            </a:r>
-            <a:endParaRPr lang="en-US" dirty="0" smtClean="0"/>
-          </a:p>
-        </p:txBody>
-      </p:sp>
-    </p:spTree>
-  </p:cSld>
-  <p:clrMapOvr>
-    <a:masterClrMapping/>
-  </p:clrMapOvr>
-</p:sld>
-</file>
-
-<file path=ppt/slides/slide13.xml><?xml version="1.0" encoding="utf-8"?>
-<p:sld xmlns:a="http://schemas.openxmlformats.org/drawingml/2006/main" xmlns:r="http://schemas.openxmlformats.org/officeDocument/2006/relationships" xmlns:p="http://schemas.openxmlformats.org/presentationml/2006/main">
-  <p:cSld>
-    <p:spTree>
-      <p:nvGrpSpPr>
-        <p:cNvPr id="1" name=""/>
-        <p:cNvGrpSpPr/>
-        <p:nvPr/>
-      </p:nvGrpSpPr>
-      <p:grpSpPr>
-        <a:xfrm>
-          <a:off x="0" y="0"/>
-          <a:ext cx="0" cy="0"/>
-          <a:chOff x="0" y="0"/>
-          <a:chExt cx="0" cy="0"/>
-        </a:xfrm>
-      </p:grpSpPr>
-      <p:sp>
-        <p:nvSpPr>
           <p:cNvPr id="5" name="Title 4"/>
           <p:cNvSpPr>
             <a:spLocks noGrp="1"/>
@@ -4291,7 +4112,7 @@
         <p:spPr/>
         <p:txBody>
           <a:bodyPr>
-            <a:normAutofit lnSpcReduction="10000"/>
+            <a:normAutofit/>
           </a:bodyPr>
           <a:lstStyle/>
           <a:p>
@@ -4305,57 +4126,67 @@
             <a:pPr lvl="1"/>
             <a:r>
               <a:rPr lang="en-US" dirty="0" smtClean="0"/>
-              <a:t>Register, Dynamic Icons, Backgrounds, Friend Homepage, Testing</a:t>
+              <a:t>Logged in Status, On/Offline Icons, Testing</a:t>
+            </a:r>
+            <a:endParaRPr lang="en-US" dirty="0" smtClean="0"/>
+          </a:p>
+          <a:p>
+            <a:r>
+              <a:rPr lang="en-US" dirty="0" smtClean="0"/>
+              <a:t>Justin</a:t>
             </a:r>
           </a:p>
           <a:p>
             <a:pPr lvl="1"/>
+            <a:r>
+              <a:rPr lang="en-US" dirty="0" smtClean="0"/>
+              <a:t>Selection Preview Window, Wall Posts, Testing</a:t>
+            </a:r>
+            <a:endParaRPr lang="en-US" dirty="0" smtClean="0"/>
+          </a:p>
+          <a:p>
+            <a:r>
+              <a:rPr lang="en-US" dirty="0" smtClean="0"/>
+              <a:t>Jeremy</a:t>
+            </a:r>
+          </a:p>
+          <a:p>
+            <a:pPr lvl="1"/>
+            <a:r>
+              <a:rPr lang="en-US" dirty="0" smtClean="0"/>
+              <a:t>Password Recovery, Walls, Database, Testing</a:t>
+            </a:r>
+          </a:p>
+          <a:p>
+            <a:r>
+              <a:rPr lang="en-US" dirty="0" smtClean="0"/>
+              <a:t>All</a:t>
+            </a:r>
+          </a:p>
+          <a:p>
+            <a:pPr lvl="1"/>
+            <a:r>
+              <a:rPr lang="en-US" dirty="0" smtClean="0"/>
+              <a:t>Minor v1 upgrades</a:t>
+            </a:r>
+          </a:p>
+          <a:p>
+            <a:pPr lvl="1"/>
+            <a:r>
+              <a:rPr lang="en-US" dirty="0" smtClean="0"/>
+              <a:t>Page </a:t>
+            </a:r>
             <a:r>
               <a:rPr lang="en-US" dirty="0" err="1" smtClean="0"/>
               <a:t>Stylings</a:t>
             </a:r>
-            <a:endParaRPr lang="en-US" dirty="0" smtClean="0"/>
-          </a:p>
-          <a:p>
-            <a:r>
-              <a:rPr lang="en-US" dirty="0" smtClean="0"/>
-              <a:t>Justin</a:t>
+            <a:r>
+              <a:rPr lang="en-US" dirty="0" smtClean="0"/>
+              <a:t> </a:t>
             </a:r>
           </a:p>
           <a:p>
             <a:pPr lvl="1"/>
-            <a:r>
-              <a:rPr lang="en-US" dirty="0" smtClean="0"/>
-              <a:t>Login, Register, Database, User and Friend Homepage, Friend Displays, Testing</a:t>
-            </a:r>
-          </a:p>
-          <a:p>
-            <a:pPr lvl="1"/>
-            <a:r>
-              <a:rPr lang="en-US" dirty="0" err="1" smtClean="0"/>
-              <a:t>Stylings</a:t>
-            </a:r>
-            <a:endParaRPr lang="en-US" dirty="0" smtClean="0"/>
-          </a:p>
-          <a:p>
-            <a:r>
-              <a:rPr lang="en-US" dirty="0" smtClean="0"/>
-              <a:t>Jeremy</a:t>
-            </a:r>
-          </a:p>
-          <a:p>
-            <a:pPr lvl="1"/>
-            <a:r>
-              <a:rPr lang="en-US" dirty="0" smtClean="0"/>
-              <a:t>Login, Register, Edit Profile, Walls, Status, User and Friend Homepage, Testing</a:t>
-            </a:r>
-          </a:p>
-          <a:p>
-            <a:pPr lvl="1"/>
-            <a:r>
-              <a:rPr lang="en-US" dirty="0" err="1" smtClean="0"/>
-              <a:t>Stylings</a:t>
-            </a:r>
             <a:endParaRPr lang="en-US" dirty="0" smtClean="0"/>
           </a:p>
         </p:txBody>
@@ -4437,7 +4268,7 @@
       </p:sp>
       <p:pic>
         <p:nvPicPr>
-          <p:cNvPr id="3" name="Content Placeholder 2"/>
+          <p:cNvPr id="6" name="Content Placeholder 5" descr="home.PNG"/>
           <p:cNvPicPr>
             <a:picLocks noGrp="1" noChangeAspect="1"/>
           </p:cNvPicPr>
@@ -4446,21 +4277,15 @@
           </p:nvPr>
         </p:nvPicPr>
         <p:blipFill>
-          <a:blip r:embed="rId2">
-            <a:extLst>
-              <a:ext uri="{28A0092B-C50C-407E-A947-70E740481C1C}">
-                <a14:useLocalDpi xmlns:a14="http://schemas.microsoft.com/office/drawing/2010/main" xmlns="" val="0"/>
-              </a:ext>
-            </a:extLst>
-          </a:blip>
+          <a:blip r:embed="rId2"/>
           <a:stretch>
             <a:fillRect/>
           </a:stretch>
         </p:blipFill>
         <p:spPr>
           <a:xfrm>
-            <a:off x="457200" y="2229737"/>
-            <a:ext cx="7239000" cy="4179700"/>
+            <a:off x="462245" y="2133600"/>
+            <a:ext cx="7228909" cy="4371975"/>
           </a:xfrm>
         </p:spPr>
       </p:pic>
@@ -4614,7 +4439,7 @@
           <a:p>
             <a:r>
               <a:rPr lang="en-US" dirty="0" smtClean="0"/>
-              <a:t>Home</a:t>
+              <a:t>Register</a:t>
             </a:r>
             <a:endParaRPr lang="en-US" dirty="0"/>
           </a:p>
@@ -4622,76 +4447,74 @@
       </p:sp>
       <p:sp>
         <p:nvSpPr>
-          <p:cNvPr id="6" name="Content Placeholder 5"/>
-          <p:cNvSpPr>
-            <a:spLocks noGrp="1"/>
-          </p:cNvSpPr>
-          <p:nvPr>
-            <p:ph sz="half" idx="2"/>
-          </p:nvPr>
-        </p:nvSpPr>
-        <p:spPr/>
+          <p:cNvPr id="5" name="Content Placeholder 4"/>
+          <p:cNvSpPr>
+            <a:spLocks noGrp="1"/>
+          </p:cNvSpPr>
+          <p:nvPr>
+            <p:ph sz="half" idx="1"/>
+          </p:nvPr>
+        </p:nvSpPr>
+        <p:spPr>
+          <a:xfrm>
+            <a:off x="228600" y="1752600"/>
+            <a:ext cx="2438400" cy="4525963"/>
+          </a:xfrm>
+        </p:spPr>
         <p:txBody>
           <a:bodyPr/>
           <a:lstStyle/>
           <a:p>
             <a:r>
               <a:rPr lang="en-US" dirty="0" smtClean="0"/>
-              <a:t>Login</a:t>
+              <a:t>Username</a:t>
             </a:r>
           </a:p>
           <a:p>
             <a:pPr lvl="1"/>
             <a:r>
               <a:rPr lang="en-US" dirty="0" smtClean="0"/>
-              <a:t>Username</a:t>
+              <a:t>Primary Key</a:t>
+            </a:r>
+          </a:p>
+          <a:p>
+            <a:r>
+              <a:rPr lang="en-US" dirty="0" smtClean="0"/>
+              <a:t>Password</a:t>
             </a:r>
           </a:p>
           <a:p>
             <a:pPr lvl="1"/>
             <a:r>
               <a:rPr lang="en-US" dirty="0" smtClean="0"/>
-              <a:t>Password</a:t>
-            </a:r>
-          </a:p>
-          <a:p>
-            <a:endParaRPr lang="en-US" dirty="0" smtClean="0"/>
-          </a:p>
-          <a:p>
-            <a:r>
-              <a:rPr lang="en-US" dirty="0" smtClean="0"/>
-              <a:t>Register</a:t>
+              <a:t>Re-enter</a:t>
+            </a:r>
+          </a:p>
+          <a:p>
+            <a:r>
+              <a:rPr lang="en-US" dirty="0" smtClean="0"/>
+              <a:t>Icon</a:t>
             </a:r>
           </a:p>
           <a:p>
             <a:pPr lvl="1"/>
             <a:r>
               <a:rPr lang="en-US" dirty="0" smtClean="0"/>
-              <a:t>Username</a:t>
+              <a:t>Choice of 6</a:t>
+            </a:r>
+          </a:p>
+          <a:p>
+            <a:r>
+              <a:rPr lang="en-US" dirty="0" smtClean="0"/>
+              <a:t>Background</a:t>
             </a:r>
           </a:p>
           <a:p>
             <a:pPr lvl="1"/>
             <a:r>
               <a:rPr lang="en-US" dirty="0" smtClean="0"/>
-              <a:t>Password</a:t>
-            </a:r>
-          </a:p>
-          <a:p>
-            <a:pPr lvl="1"/>
-            <a:r>
-              <a:rPr lang="en-US" dirty="0" smtClean="0"/>
-              <a:t>Icon</a:t>
-            </a:r>
-          </a:p>
-          <a:p>
-            <a:pPr lvl="1"/>
-            <a:r>
-              <a:rPr lang="en-US" dirty="0" smtClean="0"/>
-              <a:t>Background</a:t>
-            </a:r>
-          </a:p>
-          <a:p>
+              <a:t>Choice of 5</a:t>
+            </a:r>
             <a:endParaRPr lang="en-US" dirty="0"/>
           </a:p>
         </p:txBody>
@@ -4703,14 +4526,14 @@
             <a:picLocks noGrp="1" noChangeAspect="1"/>
           </p:cNvPicPr>
           <p:nvPr>
-            <p:ph sz="half" idx="1"/>
+            <p:ph sz="half" idx="2"/>
           </p:nvPr>
         </p:nvPicPr>
         <p:blipFill>
-          <a:blip r:embed="rId2">
+          <a:blip r:embed="rId2" cstate="print">
             <a:extLst>
               <a:ext uri="{28A0092B-C50C-407E-A947-70E740481C1C}">
-                <a14:useLocalDpi xmlns:a14="http://schemas.microsoft.com/office/drawing/2010/main" xmlns="" val="0"/>
+                <a14:useLocalDpi xmlns="" xmlns:a14="http://schemas.microsoft.com/office/drawing/2010/main" val="0"/>
               </a:ext>
             </a:extLst>
           </a:blip>
@@ -4720,39 +4543,9 @@
         </p:blipFill>
         <p:spPr>
           <a:xfrm>
-            <a:off x="685800" y="1463040"/>
-            <a:ext cx="3086100" cy="2235200"/>
+            <a:off x="2542308" y="1965080"/>
+            <a:ext cx="5157067" cy="3216520"/>
           </a:xfrm>
-        </p:spPr>
-      </p:pic>
-      <p:pic>
-        <p:nvPicPr>
-          <p:cNvPr id="7" name="Picture 6"/>
-          <p:cNvPicPr>
-            <a:picLocks noChangeAspect="1"/>
-          </p:cNvPicPr>
-          <p:nvPr/>
-        </p:nvPicPr>
-        <p:blipFill>
-          <a:blip r:embed="rId3">
-            <a:extLst>
-              <a:ext uri="{28A0092B-C50C-407E-A947-70E740481C1C}">
-                <a14:useLocalDpi xmlns:a14="http://schemas.microsoft.com/office/drawing/2010/main" xmlns="" val="0"/>
-              </a:ext>
-            </a:extLst>
-          </a:blip>
-          <a:stretch>
-            <a:fillRect/>
-          </a:stretch>
-        </p:blipFill>
-        <p:spPr>
-          <a:xfrm>
-            <a:off x="685800" y="3971290"/>
-            <a:ext cx="3124200" cy="1739900"/>
-          </a:xfrm>
-          <a:prstGeom prst="rect">
-            <a:avLst/>
-          </a:prstGeom>
         </p:spPr>
       </p:pic>
     </p:spTree>
@@ -4813,133 +4606,37 @@
             <p:ph sz="half" idx="1"/>
           </p:nvPr>
         </p:nvSpPr>
-        <p:spPr>
-          <a:xfrm>
-            <a:off x="228600" y="1752600"/>
-            <a:ext cx="2438400" cy="4525963"/>
-          </a:xfrm>
-        </p:spPr>
+        <p:spPr/>
         <p:txBody>
           <a:bodyPr/>
           <a:lstStyle/>
           <a:p>
             <a:r>
               <a:rPr lang="en-US" dirty="0" smtClean="0"/>
-              <a:t>Username</a:t>
-            </a:r>
-          </a:p>
-          <a:p>
-            <a:pPr lvl="1"/>
-            <a:r>
-              <a:rPr lang="en-US" dirty="0" smtClean="0"/>
-              <a:t>Primary Key</a:t>
-            </a:r>
-          </a:p>
-          <a:p>
-            <a:r>
-              <a:rPr lang="en-US" dirty="0" smtClean="0"/>
-              <a:t>Password</a:t>
-            </a:r>
-          </a:p>
-          <a:p>
-            <a:pPr lvl="1"/>
-            <a:r>
-              <a:rPr lang="en-US" dirty="0" smtClean="0"/>
-              <a:t>Re-enter</a:t>
-            </a:r>
-          </a:p>
-          <a:p>
-            <a:r>
-              <a:rPr lang="en-US" dirty="0" smtClean="0"/>
               <a:t>Icon</a:t>
             </a:r>
           </a:p>
           <a:p>
-            <a:pPr lvl="1"/>
-            <a:r>
-              <a:rPr lang="en-US" dirty="0" smtClean="0"/>
-              <a:t>Choice of 6</a:t>
-            </a:r>
+            <a:endParaRPr lang="en-US" dirty="0" smtClean="0"/>
           </a:p>
           <a:p>
             <a:r>
               <a:rPr lang="en-US" dirty="0" smtClean="0"/>
               <a:t>Background</a:t>
             </a:r>
-          </a:p>
-          <a:p>
-            <a:pPr lvl="1"/>
-            <a:r>
-              <a:rPr lang="en-US" dirty="0" smtClean="0"/>
-              <a:t>Choice of 5</a:t>
-            </a:r>
             <a:endParaRPr lang="en-US" dirty="0"/>
           </a:p>
         </p:txBody>
       </p:sp>
-      <p:pic>
-        <p:nvPicPr>
-          <p:cNvPr id="3" name="Content Placeholder 2"/>
-          <p:cNvPicPr>
-            <a:picLocks noGrp="1" noChangeAspect="1"/>
-          </p:cNvPicPr>
+      <p:sp>
+        <p:nvSpPr>
+          <p:cNvPr id="6" name="Content Placeholder 5"/>
+          <p:cNvSpPr>
+            <a:spLocks noGrp="1"/>
+          </p:cNvSpPr>
           <p:nvPr>
             <p:ph sz="half" idx="2"/>
           </p:nvPr>
-        </p:nvPicPr>
-        <p:blipFill>
-          <a:blip r:embed="rId2" cstate="print">
-            <a:extLst>
-              <a:ext uri="{28A0092B-C50C-407E-A947-70E740481C1C}">
-                <a14:useLocalDpi xmlns:a14="http://schemas.microsoft.com/office/drawing/2010/main" xmlns="" val="0"/>
-              </a:ext>
-            </a:extLst>
-          </a:blip>
-          <a:stretch>
-            <a:fillRect/>
-          </a:stretch>
-        </p:blipFill>
-        <p:spPr>
-          <a:xfrm>
-            <a:off x="2542308" y="1965080"/>
-            <a:ext cx="5157067" cy="3216520"/>
-          </a:xfrm>
-        </p:spPr>
-      </p:pic>
-    </p:spTree>
-  </p:cSld>
-  <p:clrMapOvr>
-    <a:masterClrMapping/>
-  </p:clrMapOvr>
-</p:sld>
-</file>
-
-<file path=ppt/slides/slide7.xml><?xml version="1.0" encoding="utf-8"?>
-<p:sld xmlns:a="http://schemas.openxmlformats.org/drawingml/2006/main" xmlns:r="http://schemas.openxmlformats.org/officeDocument/2006/relationships" xmlns:p="http://schemas.openxmlformats.org/presentationml/2006/main">
-  <p:cSld>
-    <p:spTree>
-      <p:nvGrpSpPr>
-        <p:cNvPr id="1" name=""/>
-        <p:cNvGrpSpPr/>
-        <p:nvPr/>
-      </p:nvGrpSpPr>
-      <p:grpSpPr>
-        <a:xfrm>
-          <a:off x="0" y="0"/>
-          <a:ext cx="0" cy="0"/>
-          <a:chOff x="0" y="0"/>
-          <a:chExt cx="0" cy="0"/>
-        </a:xfrm>
-      </p:grpSpPr>
-      <p:sp>
-        <p:nvSpPr>
-          <p:cNvPr id="4" name="Title 3"/>
-          <p:cNvSpPr>
-            <a:spLocks noGrp="1"/>
-          </p:cNvSpPr>
-          <p:nvPr>
-            <p:ph type="title"/>
-          </p:nvPr>
         </p:nvSpPr>
         <p:spPr/>
         <p:txBody>
@@ -4948,90 +4645,7 @@
           <a:p>
             <a:r>
               <a:rPr lang="en-US" dirty="0" smtClean="0"/>
-              <a:t>Register</a:t>
-            </a:r>
-            <a:endParaRPr lang="en-US" dirty="0"/>
-          </a:p>
-        </p:txBody>
-      </p:sp>
-      <p:sp>
-        <p:nvSpPr>
-          <p:cNvPr id="5" name="Content Placeholder 4"/>
-          <p:cNvSpPr>
-            <a:spLocks noGrp="1"/>
-          </p:cNvSpPr>
-          <p:nvPr>
-            <p:ph sz="half" idx="1"/>
-          </p:nvPr>
-        </p:nvSpPr>
-        <p:spPr/>
-        <p:txBody>
-          <a:bodyPr/>
-          <a:lstStyle/>
-          <a:p>
-            <a:r>
-              <a:rPr lang="en-US" dirty="0" smtClean="0"/>
-              <a:t>Icon</a:t>
-            </a:r>
-          </a:p>
-          <a:p>
-            <a:endParaRPr lang="en-US" dirty="0" smtClean="0"/>
-          </a:p>
-          <a:p>
-            <a:r>
-              <a:rPr lang="en-US" dirty="0" smtClean="0"/>
-              <a:t>Background</a:t>
-            </a:r>
-            <a:endParaRPr lang="en-US" dirty="0"/>
-          </a:p>
-        </p:txBody>
-      </p:sp>
-      <p:sp>
-        <p:nvSpPr>
-          <p:cNvPr id="6" name="Content Placeholder 5"/>
-          <p:cNvSpPr>
-            <a:spLocks noGrp="1"/>
-          </p:cNvSpPr>
-          <p:nvPr>
-            <p:ph sz="half" idx="2"/>
-          </p:nvPr>
-        </p:nvSpPr>
-        <p:spPr/>
-        <p:txBody>
-          <a:bodyPr/>
-          <a:lstStyle/>
-          <a:p>
-            <a:r>
-              <a:rPr lang="en-US" dirty="0" smtClean="0"/>
-              <a:t>Form</a:t>
-            </a:r>
-          </a:p>
-          <a:p>
-            <a:pPr lvl="1"/>
-            <a:r>
-              <a:rPr lang="en-US" dirty="0" smtClean="0"/>
-              <a:t>Radio buttons</a:t>
-            </a:r>
-          </a:p>
-          <a:p>
-            <a:pPr lvl="1"/>
-            <a:r>
-              <a:rPr lang="en-US" dirty="0" smtClean="0"/>
-              <a:t>Images as options</a:t>
-            </a:r>
-          </a:p>
-          <a:p>
-            <a:pPr lvl="1"/>
-            <a:r>
-              <a:rPr lang="en-US" dirty="0" smtClean="0"/>
-              <a:t>Value = file name</a:t>
-            </a:r>
-          </a:p>
-          <a:p>
-            <a:pPr lvl="2"/>
-            <a:r>
-              <a:rPr lang="en-US" dirty="0" smtClean="0"/>
-              <a:t>“./fish.png”</a:t>
+              <a:t>Now With Preview</a:t>
             </a:r>
             <a:endParaRPr lang="en-US" dirty="0"/>
           </a:p>
@@ -5049,7 +4663,7 @@
           <a:blip r:embed="rId2" cstate="print">
             <a:extLst>
               <a:ext uri="{28A0092B-C50C-407E-A947-70E740481C1C}">
-                <a14:useLocalDpi xmlns:a14="http://schemas.microsoft.com/office/drawing/2010/main" xmlns="" val="0"/>
+                <a14:useLocalDpi xmlns="" xmlns:a14="http://schemas.microsoft.com/office/drawing/2010/main" val="0"/>
               </a:ext>
             </a:extLst>
           </a:blip>
@@ -5079,7 +4693,7 @@
           <a:blip r:embed="rId3" cstate="print">
             <a:extLst>
               <a:ext uri="{28A0092B-C50C-407E-A947-70E740481C1C}">
-                <a14:useLocalDpi xmlns:a14="http://schemas.microsoft.com/office/drawing/2010/main" xmlns="" val="0"/>
+                <a14:useLocalDpi xmlns="" xmlns:a14="http://schemas.microsoft.com/office/drawing/2010/main" val="0"/>
               </a:ext>
             </a:extLst>
           </a:blip>
@@ -5091,6 +4705,150 @@
           <a:xfrm>
             <a:off x="2451383" y="3124200"/>
             <a:ext cx="2051539" cy="3352800"/>
+          </a:xfrm>
+          <a:prstGeom prst="rect">
+            <a:avLst/>
+          </a:prstGeom>
+        </p:spPr>
+      </p:pic>
+    </p:spTree>
+  </p:cSld>
+  <p:clrMapOvr>
+    <a:masterClrMapping/>
+  </p:clrMapOvr>
+</p:sld>
+</file>
+
+<file path=ppt/slides/slide7.xml><?xml version="1.0" encoding="utf-8"?>
+<p:sld xmlns:a="http://schemas.openxmlformats.org/drawingml/2006/main" xmlns:r="http://schemas.openxmlformats.org/officeDocument/2006/relationships" xmlns:p="http://schemas.openxmlformats.org/presentationml/2006/main">
+  <p:cSld>
+    <p:spTree>
+      <p:nvGrpSpPr>
+        <p:cNvPr id="1" name=""/>
+        <p:cNvGrpSpPr/>
+        <p:nvPr/>
+      </p:nvGrpSpPr>
+      <p:grpSpPr>
+        <a:xfrm>
+          <a:off x="0" y="0"/>
+          <a:ext cx="0" cy="0"/>
+          <a:chOff x="0" y="0"/>
+          <a:chExt cx="0" cy="0"/>
+        </a:xfrm>
+      </p:grpSpPr>
+      <p:sp>
+        <p:nvSpPr>
+          <p:cNvPr id="2" name="Title 1"/>
+          <p:cNvSpPr>
+            <a:spLocks noGrp="1"/>
+          </p:cNvSpPr>
+          <p:nvPr>
+            <p:ph type="title"/>
+          </p:nvPr>
+        </p:nvSpPr>
+        <p:spPr/>
+        <p:txBody>
+          <a:bodyPr/>
+          <a:lstStyle/>
+          <a:p>
+            <a:r>
+              <a:rPr lang="en-US" dirty="0" err="1" smtClean="0"/>
+              <a:t>User_home</a:t>
+            </a:r>
+            <a:endParaRPr lang="en-US" dirty="0"/>
+          </a:p>
+        </p:txBody>
+      </p:sp>
+      <p:sp>
+        <p:nvSpPr>
+          <p:cNvPr id="3" name="Content Placeholder 2"/>
+          <p:cNvSpPr>
+            <a:spLocks noGrp="1"/>
+          </p:cNvSpPr>
+          <p:nvPr>
+            <p:ph sz="half" idx="1"/>
+          </p:nvPr>
+        </p:nvSpPr>
+        <p:spPr/>
+        <p:txBody>
+          <a:bodyPr/>
+          <a:lstStyle/>
+          <a:p>
+            <a:r>
+              <a:rPr lang="en-US" dirty="0" smtClean="0"/>
+              <a:t>Username</a:t>
+            </a:r>
+          </a:p>
+          <a:p>
+            <a:r>
+              <a:rPr lang="en-US" dirty="0" smtClean="0"/>
+              <a:t>Icon</a:t>
+            </a:r>
+          </a:p>
+          <a:p>
+            <a:r>
+              <a:rPr lang="en-US" dirty="0" smtClean="0"/>
+              <a:t>Background image</a:t>
+            </a:r>
+          </a:p>
+          <a:p>
+            <a:r>
+              <a:rPr lang="en-US" dirty="0" smtClean="0"/>
+              <a:t>Friend list (auto populated from all users)</a:t>
+            </a:r>
+          </a:p>
+          <a:p>
+            <a:r>
+              <a:rPr lang="en-US" dirty="0" smtClean="0"/>
+              <a:t>Displays status edit</a:t>
+            </a:r>
+            <a:endParaRPr lang="en-US" dirty="0"/>
+          </a:p>
+        </p:txBody>
+      </p:sp>
+      <p:sp>
+        <p:nvSpPr>
+          <p:cNvPr id="6" name="Content Placeholder 5"/>
+          <p:cNvSpPr>
+            <a:spLocks noGrp="1"/>
+          </p:cNvSpPr>
+          <p:nvPr>
+            <p:ph sz="half" idx="2"/>
+          </p:nvPr>
+        </p:nvSpPr>
+        <p:spPr/>
+        <p:txBody>
+          <a:bodyPr/>
+          <a:lstStyle/>
+          <a:p>
+            <a:endParaRPr lang="en-US"/>
+          </a:p>
+        </p:txBody>
+      </p:sp>
+      <p:pic>
+        <p:nvPicPr>
+          <p:cNvPr id="4" name="Picture 3"/>
+          <p:cNvPicPr>
+            <a:picLocks noChangeAspect="1"/>
+          </p:cNvPicPr>
+          <p:nvPr/>
+        </p:nvPicPr>
+        <p:blipFill>
+          <a:blip r:embed="rId2" cstate="print">
+            <a:extLst>
+              <a:ext uri="{28A0092B-C50C-407E-A947-70E740481C1C}">
+                <a14:useLocalDpi xmlns="" xmlns:a14="http://schemas.microsoft.com/office/drawing/2010/main" val="0"/>
+              </a:ext>
+            </a:extLst>
+          </a:blip>
+          <a:stretch>
+            <a:fillRect/>
+          </a:stretch>
+        </p:blipFill>
+        <p:spPr>
+          <a:xfrm>
+            <a:off x="3842066" y="664536"/>
+            <a:ext cx="3817481" cy="5791200"/>
           </a:xfrm>
           <a:prstGeom prst="rect">
             <a:avLst/>
@@ -5124,7 +4882,7 @@
       </p:grpSpPr>
       <p:sp>
         <p:nvSpPr>
-          <p:cNvPr id="2" name="Title 1"/>
+          <p:cNvPr id="5" name="Title 4"/>
           <p:cNvSpPr>
             <a:spLocks noGrp="1"/>
           </p:cNvSpPr>
@@ -5139,110 +4897,33 @@
           <a:p>
             <a:r>
               <a:rPr lang="en-US" dirty="0" err="1" smtClean="0"/>
-              <a:t>User_home</a:t>
+              <a:t>Friend_home</a:t>
             </a:r>
             <a:endParaRPr lang="en-US" dirty="0"/>
-          </a:p>
-        </p:txBody>
-      </p:sp>
-      <p:sp>
-        <p:nvSpPr>
-          <p:cNvPr id="3" name="Content Placeholder 2"/>
-          <p:cNvSpPr>
-            <a:spLocks noGrp="1"/>
-          </p:cNvSpPr>
-          <p:nvPr>
-            <p:ph sz="half" idx="1"/>
-          </p:nvPr>
-        </p:nvSpPr>
-        <p:spPr/>
-        <p:txBody>
-          <a:bodyPr/>
-          <a:lstStyle/>
-          <a:p>
-            <a:r>
-              <a:rPr lang="en-US" dirty="0" smtClean="0"/>
-              <a:t>Username</a:t>
-            </a:r>
-          </a:p>
-          <a:p>
-            <a:r>
-              <a:rPr lang="en-US" dirty="0" smtClean="0"/>
-              <a:t>Icon</a:t>
-            </a:r>
-          </a:p>
-          <a:p>
-            <a:r>
-              <a:rPr lang="en-US" dirty="0" smtClean="0"/>
-              <a:t>Background image</a:t>
-            </a:r>
-          </a:p>
-          <a:p>
-            <a:r>
-              <a:rPr lang="en-US" dirty="0" smtClean="0"/>
-              <a:t>Friend list (auto populated from all users)</a:t>
-            </a:r>
-          </a:p>
-          <a:p>
-            <a:r>
-              <a:rPr lang="en-US" dirty="0" smtClean="0"/>
-              <a:t>Displays </a:t>
-            </a:r>
-            <a:r>
-              <a:rPr lang="en-US" dirty="0" smtClean="0"/>
-              <a:t>status edit</a:t>
-            </a:r>
-            <a:endParaRPr lang="en-US" dirty="0"/>
-          </a:p>
-        </p:txBody>
-      </p:sp>
-      <p:sp>
-        <p:nvSpPr>
-          <p:cNvPr id="6" name="Content Placeholder 5"/>
-          <p:cNvSpPr>
-            <a:spLocks noGrp="1"/>
-          </p:cNvSpPr>
-          <p:nvPr>
-            <p:ph sz="half" idx="2"/>
-          </p:nvPr>
-        </p:nvSpPr>
-        <p:spPr/>
-        <p:txBody>
-          <a:bodyPr/>
-          <a:lstStyle/>
-          <a:p>
-            <a:endParaRPr lang="en-US"/>
           </a:p>
         </p:txBody>
       </p:sp>
       <p:pic>
         <p:nvPicPr>
-          <p:cNvPr id="4" name="Picture 3"/>
+          <p:cNvPr id="7" name="Content Placeholder 6" descr="freindtest.PNG"/>
           <p:cNvPicPr>
-            <a:picLocks noChangeAspect="1"/>
+            <a:picLocks noGrp="1" noChangeAspect="1"/>
           </p:cNvPicPr>
-          <p:nvPr/>
+          <p:nvPr>
+            <p:ph idx="1"/>
+          </p:nvPr>
         </p:nvPicPr>
         <p:blipFill>
-          <a:blip r:embed="rId2" cstate="print">
-            <a:extLst>
-              <a:ext uri="{28A0092B-C50C-407E-A947-70E740481C1C}">
-                <a14:useLocalDpi xmlns:a14="http://schemas.microsoft.com/office/drawing/2010/main" xmlns="" val="0"/>
-              </a:ext>
-            </a:extLst>
-          </a:blip>
+          <a:blip r:embed="rId2"/>
           <a:stretch>
             <a:fillRect/>
           </a:stretch>
         </p:blipFill>
         <p:spPr>
           <a:xfrm>
-            <a:off x="3842066" y="664536"/>
-            <a:ext cx="3817481" cy="5791200"/>
+            <a:off x="457200" y="1673865"/>
+            <a:ext cx="7239000" cy="4718357"/>
           </a:xfrm>
-          <a:prstGeom prst="rect">
-            <a:avLst/>
-          </a:prstGeom>
         </p:spPr>
       </p:pic>
     </p:spTree>
@@ -5272,7 +4953,7 @@
       </p:grpSpPr>
       <p:sp>
         <p:nvSpPr>
-          <p:cNvPr id="5" name="Title 4"/>
+          <p:cNvPr id="2" name="Title 1"/>
           <p:cNvSpPr>
             <a:spLocks noGrp="1"/>
           </p:cNvSpPr>
@@ -5293,29 +4974,102 @@
           </a:p>
         </p:txBody>
       </p:sp>
-      <p:pic>
-        <p:nvPicPr>
-          <p:cNvPr id="7" name="Content Placeholder 6" descr="freindtest.PNG"/>
-          <p:cNvPicPr>
-            <a:picLocks noGrp="1" noChangeAspect="1"/>
-          </p:cNvPicPr>
+      <p:sp>
+        <p:nvSpPr>
+          <p:cNvPr id="3" name="Content Placeholder 2"/>
+          <p:cNvSpPr>
+            <a:spLocks noGrp="1"/>
+          </p:cNvSpPr>
           <p:nvPr>
             <p:ph idx="1"/>
           </p:nvPr>
-        </p:nvPicPr>
-        <p:blipFill>
-          <a:blip r:embed="rId2"/>
-          <a:stretch>
-            <a:fillRect/>
-          </a:stretch>
-        </p:blipFill>
-        <p:spPr>
-          <a:xfrm>
-            <a:off x="457200" y="1673865"/>
-            <a:ext cx="7239000" cy="4718357"/>
-          </a:xfrm>
-        </p:spPr>
-      </p:pic>
+        </p:nvSpPr>
+        <p:spPr/>
+        <p:txBody>
+          <a:bodyPr/>
+          <a:lstStyle/>
+          <a:p>
+            <a:r>
+              <a:rPr lang="en-US" dirty="0" smtClean="0"/>
+              <a:t>All friend links go to same friend_home.php</a:t>
+            </a:r>
+          </a:p>
+          <a:p>
+            <a:r>
+              <a:rPr lang="en-US" dirty="0" smtClean="0"/>
+              <a:t>Display based on following</a:t>
+            </a:r>
+          </a:p>
+          <a:p>
+            <a:r>
+              <a:rPr lang="en-US" dirty="0" smtClean="0"/>
+              <a:t>&lt;a </a:t>
+            </a:r>
+            <a:r>
+              <a:rPr lang="en-US" dirty="0" err="1" smtClean="0"/>
+              <a:t>href</a:t>
+            </a:r>
+            <a:r>
+              <a:rPr lang="en-US" dirty="0" smtClean="0"/>
+              <a:t>='</a:t>
+            </a:r>
+            <a:r>
+              <a:rPr lang="en-US" dirty="0" err="1" smtClean="0"/>
+              <a:t>friend_home.php</a:t>
+            </a:r>
+            <a:r>
+              <a:rPr lang="en-US" dirty="0" err="1" smtClean="0">
+                <a:solidFill>
+                  <a:srgbClr val="FF0000"/>
+                </a:solidFill>
+              </a:rPr>
+              <a:t>?fname</a:t>
+            </a:r>
+            <a:r>
+              <a:rPr lang="en-US" dirty="0" smtClean="0">
+                <a:solidFill>
+                  <a:srgbClr val="FF0000"/>
+                </a:solidFill>
+              </a:rPr>
+              <a:t>=$friends</a:t>
+            </a:r>
+            <a:r>
+              <a:rPr lang="en-US" dirty="0" smtClean="0"/>
+              <a:t>'&gt;</a:t>
+            </a:r>
+          </a:p>
+          <a:p>
+            <a:r>
+              <a:rPr lang="en-US" dirty="0" smtClean="0"/>
+              <a:t>Doesn’t display status edit</a:t>
+            </a:r>
+          </a:p>
+          <a:p>
+            <a:r>
+              <a:rPr lang="en-US" dirty="0" smtClean="0"/>
+              <a:t>Displays wall post</a:t>
+            </a:r>
+          </a:p>
+          <a:p>
+            <a:endParaRPr lang="en-US" dirty="0" smtClean="0"/>
+          </a:p>
+          <a:p>
+            <a:r>
+              <a:rPr lang="en-US" dirty="0" smtClean="0"/>
+              <a:t>$sql2 = "UPDATE project3 SET Wall1='$wall' WHERE Username='$</a:t>
+            </a:r>
+            <a:r>
+              <a:rPr lang="en-US" dirty="0" err="1" smtClean="0"/>
+              <a:t>fname</a:t>
+            </a:r>
+            <a:r>
+              <a:rPr lang="en-US" dirty="0" smtClean="0"/>
+              <a:t>'";</a:t>
+            </a:r>
+            <a:endParaRPr lang="en-US" dirty="0"/>
+          </a:p>
+        </p:txBody>
+      </p:sp>
     </p:spTree>
   </p:cSld>
   <p:clrMapOvr>

--- a/Facespace.pptx
+++ b/Facespace.pptx
@@ -7,16 +7,24 @@
   <p:sldIdLst>
     <p:sldId id="256" r:id="rId2"/>
     <p:sldId id="266" r:id="rId3"/>
-    <p:sldId id="257" r:id="rId4"/>
-    <p:sldId id="263" r:id="rId5"/>
-    <p:sldId id="259" r:id="rId6"/>
-    <p:sldId id="260" r:id="rId7"/>
-    <p:sldId id="261" r:id="rId8"/>
-    <p:sldId id="267" r:id="rId9"/>
-    <p:sldId id="262" r:id="rId10"/>
-    <p:sldId id="264" r:id="rId11"/>
-    <p:sldId id="265" r:id="rId12"/>
-    <p:sldId id="268" r:id="rId13"/>
+    <p:sldId id="271" r:id="rId4"/>
+    <p:sldId id="272" r:id="rId5"/>
+    <p:sldId id="257" r:id="rId6"/>
+    <p:sldId id="263" r:id="rId7"/>
+    <p:sldId id="275" r:id="rId8"/>
+    <p:sldId id="259" r:id="rId9"/>
+    <p:sldId id="260" r:id="rId10"/>
+    <p:sldId id="273" r:id="rId11"/>
+    <p:sldId id="269" r:id="rId12"/>
+    <p:sldId id="270" r:id="rId13"/>
+    <p:sldId id="261" r:id="rId14"/>
+    <p:sldId id="267" r:id="rId15"/>
+    <p:sldId id="262" r:id="rId16"/>
+    <p:sldId id="274" r:id="rId17"/>
+    <p:sldId id="265" r:id="rId18"/>
+    <p:sldId id="276" r:id="rId19"/>
+    <p:sldId id="277" r:id="rId20"/>
+    <p:sldId id="268" r:id="rId21"/>
   </p:sldIdLst>
   <p:sldSz cx="9144000" cy="6858000" type="screen4x3"/>
   <p:notesSz cx="6858000" cy="9144000"/>
@@ -117,7 +125,7 @@
   </p:defaultTextStyle>
   <p:extLst>
     <p:ext uri="{EFAFB233-063F-42B5-8137-9DF3F51BA10A}">
-      <p15:sldGuideLst xmlns="" xmlns:p15="http://schemas.microsoft.com/office/powerpoint/2012/main">
+      <p15:sldGuideLst xmlns:p15="http://schemas.microsoft.com/office/powerpoint/2012/main" xmlns="">
         <p15:guide id="1" orient="horz" pos="2160">
           <p15:clr>
             <a:srgbClr val="A4A3A4"/>
@@ -405,7 +413,7 @@
             <a:fld id="{16016DCC-ECBA-4FE1-8A13-9AD3CBCC8FC8}" type="datetimeFigureOut">
               <a:rPr lang="en-US" smtClean="0"/>
               <a:pPr/>
-              <a:t>4/14/2018</a:t>
+              <a:t>4/15/2018</a:t>
             </a:fld>
             <a:endParaRPr lang="en-US"/>
           </a:p>
@@ -606,7 +614,7 @@
             <a:fld id="{16016DCC-ECBA-4FE1-8A13-9AD3CBCC8FC8}" type="datetimeFigureOut">
               <a:rPr lang="en-US" smtClean="0"/>
               <a:pPr/>
-              <a:t>4/14/2018</a:t>
+              <a:t>4/15/2018</a:t>
             </a:fld>
             <a:endParaRPr lang="en-US"/>
           </a:p>
@@ -798,7 +806,7 @@
             <a:fld id="{16016DCC-ECBA-4FE1-8A13-9AD3CBCC8FC8}" type="datetimeFigureOut">
               <a:rPr lang="en-US" smtClean="0"/>
               <a:pPr/>
-              <a:t>4/14/2018</a:t>
+              <a:t>4/15/2018</a:t>
             </a:fld>
             <a:endParaRPr lang="en-US"/>
           </a:p>
@@ -992,7 +1000,7 @@
             <a:fld id="{16016DCC-ECBA-4FE1-8A13-9AD3CBCC8FC8}" type="datetimeFigureOut">
               <a:rPr lang="en-US" smtClean="0"/>
               <a:pPr/>
-              <a:t>4/14/2018</a:t>
+              <a:t>4/15/2018</a:t>
             </a:fld>
             <a:endParaRPr lang="en-US"/>
           </a:p>
@@ -1220,7 +1228,7 @@
             <a:fld id="{16016DCC-ECBA-4FE1-8A13-9AD3CBCC8FC8}" type="datetimeFigureOut">
               <a:rPr lang="en-US" smtClean="0"/>
               <a:pPr/>
-              <a:t>4/14/2018</a:t>
+              <a:t>4/15/2018</a:t>
             </a:fld>
             <a:endParaRPr lang="en-US"/>
           </a:p>
@@ -1513,7 +1521,7 @@
             <a:fld id="{16016DCC-ECBA-4FE1-8A13-9AD3CBCC8FC8}" type="datetimeFigureOut">
               <a:rPr lang="en-US" smtClean="0"/>
               <a:pPr/>
-              <a:t>4/14/2018</a:t>
+              <a:t>4/15/2018</a:t>
             </a:fld>
             <a:endParaRPr lang="en-US"/>
           </a:p>
@@ -1946,7 +1954,7 @@
             <a:fld id="{16016DCC-ECBA-4FE1-8A13-9AD3CBCC8FC8}" type="datetimeFigureOut">
               <a:rPr lang="en-US" smtClean="0"/>
               <a:pPr/>
-              <a:t>4/14/2018</a:t>
+              <a:t>4/15/2018</a:t>
             </a:fld>
             <a:endParaRPr lang="en-US"/>
           </a:p>
@@ -2074,7 +2082,7 @@
             <a:fld id="{16016DCC-ECBA-4FE1-8A13-9AD3CBCC8FC8}" type="datetimeFigureOut">
               <a:rPr lang="en-US" smtClean="0"/>
               <a:pPr/>
-              <a:t>4/14/2018</a:t>
+              <a:t>4/15/2018</a:t>
             </a:fld>
             <a:endParaRPr lang="en-US"/>
           </a:p>
@@ -2179,7 +2187,7 @@
             <a:fld id="{16016DCC-ECBA-4FE1-8A13-9AD3CBCC8FC8}" type="datetimeFigureOut">
               <a:rPr lang="en-US" smtClean="0"/>
               <a:pPr/>
-              <a:t>4/14/2018</a:t>
+              <a:t>4/15/2018</a:t>
             </a:fld>
             <a:endParaRPr lang="en-US"/>
           </a:p>
@@ -2450,7 +2458,7 @@
             <a:fld id="{16016DCC-ECBA-4FE1-8A13-9AD3CBCC8FC8}" type="datetimeFigureOut">
               <a:rPr lang="en-US" smtClean="0"/>
               <a:pPr/>
-              <a:t>4/14/2018</a:t>
+              <a:t>4/15/2018</a:t>
             </a:fld>
             <a:endParaRPr lang="en-US"/>
           </a:p>
@@ -2816,7 +2824,7 @@
             <a:fld id="{16016DCC-ECBA-4FE1-8A13-9AD3CBCC8FC8}" type="datetimeFigureOut">
               <a:rPr lang="en-US" smtClean="0"/>
               <a:pPr/>
-              <a:t>4/14/2018</a:t>
+              <a:t>4/15/2018</a:t>
             </a:fld>
             <a:endParaRPr lang="en-US"/>
           </a:p>
@@ -3173,7 +3181,7 @@
             <a:fld id="{16016DCC-ECBA-4FE1-8A13-9AD3CBCC8FC8}" type="datetimeFigureOut">
               <a:rPr lang="en-US" smtClean="0"/>
               <a:pPr/>
-              <a:t>4/14/2018</a:t>
+              <a:t>4/15/2018</a:t>
             </a:fld>
             <a:endParaRPr lang="en-US"/>
           </a:p>
@@ -3736,49 +3744,26 @@
           <a:p>
             <a:r>
               <a:rPr lang="en-US" dirty="0" smtClean="0"/>
-              <a:t>Testing</a:t>
+              <a:t>Preview details</a:t>
             </a:r>
             <a:endParaRPr lang="en-US" dirty="0"/>
           </a:p>
         </p:txBody>
       </p:sp>
-      <p:pic>
-        <p:nvPicPr>
-          <p:cNvPr id="6" name="Content Placeholder 5" descr="edittest.PNG"/>
-          <p:cNvPicPr>
-            <a:picLocks noGrp="1" noChangeAspect="1"/>
-          </p:cNvPicPr>
+      <p:sp>
+        <p:nvSpPr>
+          <p:cNvPr id="3" name="Content Placeholder 2"/>
+          <p:cNvSpPr>
+            <a:spLocks noGrp="1"/>
+          </p:cNvSpPr>
           <p:nvPr>
             <p:ph sz="half" idx="1"/>
           </p:nvPr>
-        </p:nvPicPr>
-        <p:blipFill>
-          <a:blip r:embed="rId2"/>
-          <a:stretch>
-            <a:fillRect/>
-          </a:stretch>
-        </p:blipFill>
+        </p:nvSpPr>
         <p:spPr>
           <a:xfrm>
-            <a:off x="569682" y="2567600"/>
-            <a:ext cx="3296110" cy="2591162"/>
-          </a:xfrm>
-        </p:spPr>
-      </p:pic>
-      <p:sp>
-        <p:nvSpPr>
-          <p:cNvPr id="5" name="Content Placeholder 4"/>
-          <p:cNvSpPr>
-            <a:spLocks noGrp="1"/>
-          </p:cNvSpPr>
-          <p:nvPr>
-            <p:ph sz="half" idx="2"/>
-          </p:nvPr>
-        </p:nvSpPr>
-        <p:spPr>
-          <a:xfrm>
-            <a:off x="3276600" y="1600200"/>
-            <a:ext cx="4422648" cy="4525963"/>
+            <a:off x="457200" y="1600201"/>
+            <a:ext cx="8686800" cy="2209799"/>
           </a:xfrm>
         </p:spPr>
         <p:txBody>
@@ -3789,71 +3774,148 @@
           <a:p>
             <a:r>
               <a:rPr lang="en-US" dirty="0" smtClean="0"/>
-              <a:t>Edit profile</a:t>
+              <a:t>HTML</a:t>
             </a:r>
           </a:p>
           <a:p>
             <a:pPr lvl="1"/>
             <a:r>
               <a:rPr lang="en-US" dirty="0" smtClean="0"/>
-              <a:t>Required login to update</a:t>
+              <a:t>type="radio“</a:t>
             </a:r>
           </a:p>
           <a:p>
             <a:pPr lvl="1"/>
-            <a:endParaRPr lang="en-US" dirty="0" smtClean="0"/>
-          </a:p>
-          <a:p>
-            <a:r>
-              <a:rPr lang="en-US" dirty="0" smtClean="0"/>
-              <a:t>Background IMG</a:t>
+            <a:r>
+              <a:rPr lang="en-US" dirty="0" err="1" smtClean="0"/>
+              <a:t>onclick</a:t>
+            </a:r>
+            <a:r>
+              <a:rPr lang="en-US" dirty="0" smtClean="0"/>
+              <a:t>='</a:t>
+            </a:r>
+            <a:r>
+              <a:rPr lang="en-US" dirty="0" err="1" smtClean="0"/>
+              <a:t>check_logo</a:t>
+            </a:r>
+            <a:r>
+              <a:rPr lang="en-US" dirty="0" smtClean="0"/>
+              <a:t>(n)</a:t>
             </a:r>
           </a:p>
           <a:p>
             <a:pPr lvl="1"/>
             <a:r>
-              <a:rPr lang="en-US" dirty="0" smtClean="0"/>
-              <a:t>wasn’t displaying background </a:t>
+              <a:rPr lang="en-US" dirty="0" err="1" smtClean="0"/>
+              <a:t>onclick</a:t>
+            </a:r>
+            <a:r>
+              <a:rPr lang="en-US" dirty="0" smtClean="0"/>
+              <a:t>='</a:t>
+            </a:r>
+            <a:r>
+              <a:rPr lang="en-US" dirty="0" err="1" smtClean="0"/>
+              <a:t>check_back</a:t>
+            </a:r>
+            <a:r>
+              <a:rPr lang="en-US" dirty="0" smtClean="0"/>
+              <a:t>(n)</a:t>
+            </a:r>
+            <a:endParaRPr lang="en-US" dirty="0"/>
+          </a:p>
+        </p:txBody>
+      </p:sp>
+      <p:sp>
+        <p:nvSpPr>
+          <p:cNvPr id="4" name="Content Placeholder 3"/>
+          <p:cNvSpPr>
+            <a:spLocks noGrp="1"/>
+          </p:cNvSpPr>
+          <p:nvPr>
+            <p:ph sz="half" idx="2"/>
+          </p:nvPr>
+        </p:nvSpPr>
+        <p:spPr>
+          <a:xfrm>
+            <a:off x="533400" y="3810000"/>
+            <a:ext cx="8610600" cy="2316163"/>
+          </a:xfrm>
+        </p:spPr>
+        <p:txBody>
+          <a:bodyPr>
+            <a:normAutofit/>
+          </a:bodyPr>
+          <a:lstStyle/>
+          <a:p>
+            <a:r>
+              <a:rPr lang="en-US" dirty="0" smtClean="0"/>
+              <a:t>JS</a:t>
             </a:r>
           </a:p>
           <a:p>
             <a:pPr lvl="1"/>
             <a:r>
               <a:rPr lang="en-US" dirty="0" smtClean="0"/>
-              <a:t>Inline </a:t>
+              <a:t>function </a:t>
             </a:r>
             <a:r>
               <a:rPr lang="en-US" dirty="0" err="1" smtClean="0"/>
-              <a:t>php</a:t>
-            </a:r>
-            <a:endParaRPr lang="en-US" dirty="0" smtClean="0"/>
-          </a:p>
-          <a:p>
-            <a:pPr lvl="1"/>
-            <a:r>
-              <a:rPr lang="en-US" dirty="0" smtClean="0"/>
-              <a:t>style= "background-image: </a:t>
-            </a:r>
+              <a:t>check_logo</a:t>
+            </a:r>
+            <a:r>
+              <a:rPr lang="en-US" dirty="0" smtClean="0"/>
+              <a:t>(n)</a:t>
+            </a:r>
+          </a:p>
+          <a:p>
+            <a:pPr lvl="2"/>
+            <a:r>
+              <a:rPr lang="en-US" dirty="0" smtClean="0"/>
+              <a:t> switch (n) {</a:t>
+            </a:r>
+          </a:p>
+          <a:p>
+            <a:pPr lvl="2"/>
+            <a:r>
+              <a:rPr lang="en-US" dirty="0" smtClean="0"/>
+              <a:t>  case 1:</a:t>
+            </a:r>
+          </a:p>
+          <a:p>
+            <a:pPr lvl="2"/>
             <a:r>
               <a:rPr lang="en-US" dirty="0" err="1" smtClean="0"/>
-              <a:t>url</a:t>
-            </a:r>
-            <a:r>
-              <a:rPr lang="en-US" dirty="0" smtClean="0"/>
-              <a:t>(‘ &lt;?</a:t>
+              <a:t>doc.getEleById</a:t>
+            </a:r>
+            <a:r>
+              <a:rPr lang="en-US" dirty="0" smtClean="0"/>
+              <a:t>(“p1").</a:t>
             </a:r>
             <a:r>
               <a:rPr lang="en-US" dirty="0" err="1" smtClean="0"/>
-              <a:t>php</a:t>
-            </a:r>
-            <a:r>
-              <a:rPr lang="en-US" dirty="0" smtClean="0"/>
-              <a:t> echo $background;?&gt;’)</a:t>
-            </a:r>
-          </a:p>
-          <a:p>
-            <a:pPr lvl="1"/>
-            <a:endParaRPr lang="en-US" dirty="0" smtClean="0"/>
+              <a:t>innerHTML</a:t>
+            </a:r>
+            <a:r>
+              <a:rPr lang="en-US" dirty="0" smtClean="0"/>
+              <a:t> = "&lt;</a:t>
+            </a:r>
+            <a:r>
+              <a:rPr lang="en-US" dirty="0" err="1" smtClean="0"/>
+              <a:t>img</a:t>
+            </a:r>
+            <a:r>
+              <a:rPr lang="en-US" dirty="0" smtClean="0"/>
+              <a:t> </a:t>
+            </a:r>
+            <a:r>
+              <a:rPr lang="en-US" dirty="0" err="1" smtClean="0"/>
+              <a:t>src</a:t>
+            </a:r>
+            <a:r>
+              <a:rPr lang="en-US" dirty="0" smtClean="0"/>
+              <a:t>='./bird.png'&gt;";</a:t>
+            </a:r>
+            <a:endParaRPr lang="en-US" dirty="0"/>
           </a:p>
         </p:txBody>
       </p:sp>
@@ -3899,7 +3961,7 @@
           <a:p>
             <a:r>
               <a:rPr lang="en-US" dirty="0" smtClean="0"/>
-              <a:t>testing</a:t>
+              <a:t>Login/logout</a:t>
             </a:r>
             <a:endParaRPr lang="en-US" dirty="0"/>
           </a:p>
@@ -3907,7 +3969,7 @@
       </p:sp>
       <p:sp>
         <p:nvSpPr>
-          <p:cNvPr id="13" name="Content Placeholder 12"/>
+          <p:cNvPr id="3" name="Content Placeholder 2"/>
           <p:cNvSpPr>
             <a:spLocks noGrp="1"/>
           </p:cNvSpPr>
@@ -3921,30 +3983,28 @@
           <a:lstStyle/>
           <a:p>
             <a:r>
+              <a:rPr lang="en-US" dirty="0" smtClean="0"/>
+              <a:t>UPDATE project3 </a:t>
+            </a:r>
+          </a:p>
+          <a:p>
+            <a:r>
+              <a:rPr lang="en-US" dirty="0" smtClean="0"/>
+              <a:t>SET </a:t>
+            </a:r>
+            <a:r>
               <a:rPr lang="en-US" dirty="0" err="1" smtClean="0"/>
-              <a:t>User_home</a:t>
-            </a:r>
-            <a:endParaRPr lang="en-US" dirty="0" smtClean="0"/>
-          </a:p>
-          <a:p>
-            <a:pPr lvl="1"/>
-            <a:r>
-              <a:rPr lang="en-US" dirty="0" smtClean="0"/>
-              <a:t>Updating Status</a:t>
-            </a:r>
-          </a:p>
-          <a:p>
-            <a:pPr lvl="1"/>
-            <a:r>
-              <a:rPr lang="en-US" dirty="0" smtClean="0"/>
-              <a:t>Showing the current users status</a:t>
-            </a:r>
-          </a:p>
-          <a:p>
-            <a:pPr lvl="1"/>
-            <a:r>
-              <a:rPr lang="en-US" dirty="0" smtClean="0"/>
-              <a:t>Different $_SESSION based on logged in user or friend	</a:t>
+              <a:t>LoggedIn</a:t>
+            </a:r>
+            <a:r>
+              <a:rPr lang="en-US" dirty="0" smtClean="0"/>
+              <a:t>='1' </a:t>
+            </a:r>
+          </a:p>
+          <a:p>
+            <a:r>
+              <a:rPr lang="en-US" dirty="0" smtClean="0"/>
+              <a:t>WHERE …;</a:t>
             </a:r>
             <a:endParaRPr lang="en-US" dirty="0"/>
           </a:p>
@@ -3952,7 +4012,7 @@
       </p:sp>
       <p:sp>
         <p:nvSpPr>
-          <p:cNvPr id="14" name="Content Placeholder 13"/>
+          <p:cNvPr id="4" name="Content Placeholder 3"/>
           <p:cNvSpPr>
             <a:spLocks noGrp="1"/>
           </p:cNvSpPr>
@@ -3966,31 +4026,46 @@
           <a:lstStyle/>
           <a:p>
             <a:r>
+              <a:rPr lang="en-US" dirty="0" smtClean="0"/>
+              <a:t>UPDATE project3 </a:t>
+            </a:r>
+          </a:p>
+          <a:p>
+            <a:r>
+              <a:rPr lang="en-US" dirty="0" smtClean="0"/>
+              <a:t>SET </a:t>
+            </a:r>
+            <a:r>
               <a:rPr lang="en-US" dirty="0" err="1" smtClean="0"/>
-              <a:t>Friend_home</a:t>
-            </a:r>
-            <a:endParaRPr lang="en-US" dirty="0" smtClean="0"/>
-          </a:p>
-          <a:p>
-            <a:pPr lvl="1"/>
-            <a:r>
-              <a:rPr lang="en-US" dirty="0" smtClean="0"/>
-              <a:t>Able to write on wall</a:t>
-            </a:r>
-          </a:p>
-          <a:p>
-            <a:pPr lvl="1"/>
-            <a:r>
-              <a:rPr lang="en-US" dirty="0" smtClean="0"/>
-              <a:t>Showing wall posts that belong to that user</a:t>
-            </a:r>
-          </a:p>
-          <a:p>
-            <a:pPr lvl="1"/>
-            <a:r>
-              <a:rPr lang="en-US" dirty="0" smtClean="0"/>
-              <a:t>Iterate through “null” values to write to the next wall space</a:t>
-            </a:r>
+              <a:t>LoggedIn</a:t>
+            </a:r>
+            <a:r>
+              <a:rPr lang="en-US" dirty="0" smtClean="0"/>
+              <a:t>='0' </a:t>
+            </a:r>
+          </a:p>
+          <a:p>
+            <a:r>
+              <a:rPr lang="en-US" dirty="0" smtClean="0"/>
+              <a:t>WHERE …;</a:t>
+            </a:r>
+          </a:p>
+          <a:p>
+            <a:r>
+              <a:rPr lang="en-US" dirty="0" err="1" smtClean="0"/>
+              <a:t>session_destroy</a:t>
+            </a:r>
+            <a:r>
+              <a:rPr lang="en-US" dirty="0" smtClean="0"/>
+              <a:t>();</a:t>
+            </a:r>
+          </a:p>
+          <a:p>
+            <a:r>
+              <a:rPr lang="en-US" dirty="0" smtClean="0"/>
+              <a:t>header(home);</a:t>
+            </a:r>
+            <a:endParaRPr lang="en-US" dirty="0"/>
           </a:p>
         </p:txBody>
       </p:sp>
@@ -4021,7 +4096,7 @@
       </p:grpSpPr>
       <p:sp>
         <p:nvSpPr>
-          <p:cNvPr id="5" name="Title 4"/>
+          <p:cNvPr id="2" name="Title 1"/>
           <p:cNvSpPr>
             <a:spLocks noGrp="1"/>
           </p:cNvSpPr>
@@ -4029,21 +4104,925 @@
             <p:ph type="title"/>
           </p:nvPr>
         </p:nvSpPr>
+        <p:spPr/>
+        <p:txBody>
+          <a:bodyPr/>
+          <a:lstStyle/>
+          <a:p>
+            <a:r>
+              <a:rPr lang="en-US" dirty="0" smtClean="0"/>
+              <a:t>Online/offline</a:t>
+            </a:r>
+            <a:endParaRPr lang="en-US" dirty="0"/>
+          </a:p>
+        </p:txBody>
+      </p:sp>
+      <p:pic>
+        <p:nvPicPr>
+          <p:cNvPr id="5" name="Content Placeholder 4" descr="loggedstatus.PNG"/>
+          <p:cNvPicPr>
+            <a:picLocks noGrp="1" noChangeAspect="1"/>
+          </p:cNvPicPr>
+          <p:nvPr>
+            <p:ph sz="half" idx="1"/>
+          </p:nvPr>
+        </p:nvPicPr>
+        <p:blipFill>
+          <a:blip r:embed="rId2"/>
+          <a:stretch>
+            <a:fillRect/>
+          </a:stretch>
+        </p:blipFill>
         <p:spPr>
           <a:xfrm>
-            <a:off x="0" y="320040"/>
-            <a:ext cx="9144000" cy="4099560"/>
+            <a:off x="533400" y="1371600"/>
+            <a:ext cx="2590800" cy="5150006"/>
           </a:xfrm>
         </p:spPr>
-        <p:txBody>
-          <a:bodyPr>
-            <a:normAutofit/>
-          </a:bodyPr>
+      </p:pic>
+      <p:sp>
+        <p:nvSpPr>
+          <p:cNvPr id="4" name="Content Placeholder 3"/>
+          <p:cNvSpPr>
+            <a:spLocks noGrp="1"/>
+          </p:cNvSpPr>
+          <p:nvPr>
+            <p:ph sz="half" idx="2"/>
+          </p:nvPr>
+        </p:nvSpPr>
+        <p:spPr/>
+        <p:txBody>
+          <a:bodyPr/>
           <a:lstStyle/>
           <a:p>
             <a:r>
               <a:rPr lang="en-US" dirty="0" smtClean="0"/>
-              <a:t>http://codd.cs.gsu.edu/~abaskara1/Project3/home.html</a:t>
+              <a:t>if($Logged==0)</a:t>
+            </a:r>
+          </a:p>
+          <a:p>
+            <a:pPr lvl="1"/>
+            <a:r>
+              <a:rPr lang="en-US" dirty="0" smtClean="0"/>
+              <a:t>Print(“&lt;</a:t>
+            </a:r>
+            <a:r>
+              <a:rPr lang="en-US" dirty="0" err="1" smtClean="0"/>
+              <a:t>img</a:t>
+            </a:r>
+            <a:r>
+              <a:rPr lang="en-US" dirty="0" smtClean="0"/>
+              <a:t>&gt;red”)</a:t>
+            </a:r>
+          </a:p>
+          <a:p>
+            <a:r>
+              <a:rPr lang="en-US" dirty="0" smtClean="0"/>
+              <a:t>Else</a:t>
+            </a:r>
+          </a:p>
+          <a:p>
+            <a:pPr lvl="1"/>
+            <a:r>
+              <a:rPr lang="en-US" dirty="0" smtClean="0"/>
+              <a:t>Print(“&lt;</a:t>
+            </a:r>
+            <a:r>
+              <a:rPr lang="en-US" dirty="0" err="1" smtClean="0"/>
+              <a:t>img</a:t>
+            </a:r>
+            <a:r>
+              <a:rPr lang="en-US" dirty="0" smtClean="0"/>
+              <a:t>&gt;green”)</a:t>
+            </a:r>
+            <a:endParaRPr lang="en-US" dirty="0"/>
+          </a:p>
+        </p:txBody>
+      </p:sp>
+    </p:spTree>
+  </p:cSld>
+  <p:clrMapOvr>
+    <a:masterClrMapping/>
+  </p:clrMapOvr>
+</p:sld>
+</file>
+
+<file path=ppt/slides/slide13.xml><?xml version="1.0" encoding="utf-8"?>
+<p:sld xmlns:a="http://schemas.openxmlformats.org/drawingml/2006/main" xmlns:r="http://schemas.openxmlformats.org/officeDocument/2006/relationships" xmlns:p="http://schemas.openxmlformats.org/presentationml/2006/main">
+  <p:cSld>
+    <p:spTree>
+      <p:nvGrpSpPr>
+        <p:cNvPr id="1" name=""/>
+        <p:cNvGrpSpPr/>
+        <p:nvPr/>
+      </p:nvGrpSpPr>
+      <p:grpSpPr>
+        <a:xfrm>
+          <a:off x="0" y="0"/>
+          <a:ext cx="0" cy="0"/>
+          <a:chOff x="0" y="0"/>
+          <a:chExt cx="0" cy="0"/>
+        </a:xfrm>
+      </p:grpSpPr>
+      <p:sp>
+        <p:nvSpPr>
+          <p:cNvPr id="2" name="Title 1"/>
+          <p:cNvSpPr>
+            <a:spLocks noGrp="1"/>
+          </p:cNvSpPr>
+          <p:nvPr>
+            <p:ph type="title"/>
+          </p:nvPr>
+        </p:nvSpPr>
+        <p:spPr/>
+        <p:txBody>
+          <a:bodyPr/>
+          <a:lstStyle/>
+          <a:p>
+            <a:r>
+              <a:rPr lang="en-US" dirty="0" err="1" smtClean="0"/>
+              <a:t>User_home</a:t>
+            </a:r>
+            <a:endParaRPr lang="en-US" dirty="0"/>
+          </a:p>
+        </p:txBody>
+      </p:sp>
+      <p:sp>
+        <p:nvSpPr>
+          <p:cNvPr id="3" name="Content Placeholder 2"/>
+          <p:cNvSpPr>
+            <a:spLocks noGrp="1"/>
+          </p:cNvSpPr>
+          <p:nvPr>
+            <p:ph sz="half" idx="1"/>
+          </p:nvPr>
+        </p:nvSpPr>
+        <p:spPr/>
+        <p:txBody>
+          <a:bodyPr/>
+          <a:lstStyle/>
+          <a:p>
+            <a:endParaRPr lang="en-US" dirty="0"/>
+          </a:p>
+        </p:txBody>
+      </p:sp>
+      <p:sp>
+        <p:nvSpPr>
+          <p:cNvPr id="6" name="Content Placeholder 5"/>
+          <p:cNvSpPr>
+            <a:spLocks noGrp="1"/>
+          </p:cNvSpPr>
+          <p:nvPr>
+            <p:ph sz="half" idx="2"/>
+          </p:nvPr>
+        </p:nvSpPr>
+        <p:spPr/>
+        <p:txBody>
+          <a:bodyPr/>
+          <a:lstStyle/>
+          <a:p>
+            <a:endParaRPr lang="en-US"/>
+          </a:p>
+        </p:txBody>
+      </p:sp>
+      <p:pic>
+        <p:nvPicPr>
+          <p:cNvPr id="4" name="Picture 3"/>
+          <p:cNvPicPr>
+            <a:picLocks noChangeAspect="1"/>
+          </p:cNvPicPr>
+          <p:nvPr/>
+        </p:nvPicPr>
+        <p:blipFill>
+          <a:blip r:embed="rId2" cstate="print">
+            <a:extLst>
+              <a:ext uri="{28A0092B-C50C-407E-A947-70E740481C1C}">
+                <a14:useLocalDpi xmlns:a14="http://schemas.microsoft.com/office/drawing/2010/main" xmlns="" val="0"/>
+              </a:ext>
+            </a:extLst>
+          </a:blip>
+          <a:stretch>
+            <a:fillRect/>
+          </a:stretch>
+        </p:blipFill>
+        <p:spPr>
+          <a:xfrm>
+            <a:off x="3842066" y="664536"/>
+            <a:ext cx="3817481" cy="5791200"/>
+          </a:xfrm>
+          <a:prstGeom prst="rect">
+            <a:avLst/>
+          </a:prstGeom>
+        </p:spPr>
+      </p:pic>
+    </p:spTree>
+  </p:cSld>
+  <p:clrMapOvr>
+    <a:masterClrMapping/>
+  </p:clrMapOvr>
+</p:sld>
+</file>
+
+<file path=ppt/slides/slide14.xml><?xml version="1.0" encoding="utf-8"?>
+<p:sld xmlns:a="http://schemas.openxmlformats.org/drawingml/2006/main" xmlns:r="http://schemas.openxmlformats.org/officeDocument/2006/relationships" xmlns:p="http://schemas.openxmlformats.org/presentationml/2006/main">
+  <p:cSld>
+    <p:spTree>
+      <p:nvGrpSpPr>
+        <p:cNvPr id="1" name=""/>
+        <p:cNvGrpSpPr/>
+        <p:nvPr/>
+      </p:nvGrpSpPr>
+      <p:grpSpPr>
+        <a:xfrm>
+          <a:off x="0" y="0"/>
+          <a:ext cx="0" cy="0"/>
+          <a:chOff x="0" y="0"/>
+          <a:chExt cx="0" cy="0"/>
+        </a:xfrm>
+      </p:grpSpPr>
+      <p:sp>
+        <p:nvSpPr>
+          <p:cNvPr id="5" name="Title 4"/>
+          <p:cNvSpPr>
+            <a:spLocks noGrp="1"/>
+          </p:cNvSpPr>
+          <p:nvPr>
+            <p:ph type="title"/>
+          </p:nvPr>
+        </p:nvSpPr>
+        <p:spPr/>
+        <p:txBody>
+          <a:bodyPr/>
+          <a:lstStyle/>
+          <a:p>
+            <a:r>
+              <a:rPr lang="en-US" dirty="0" err="1" smtClean="0"/>
+              <a:t>Friend_home</a:t>
+            </a:r>
+            <a:endParaRPr lang="en-US" dirty="0"/>
+          </a:p>
+        </p:txBody>
+      </p:sp>
+      <p:pic>
+        <p:nvPicPr>
+          <p:cNvPr id="7" name="Content Placeholder 6" descr="freindtest.PNG"/>
+          <p:cNvPicPr>
+            <a:picLocks noGrp="1" noChangeAspect="1"/>
+          </p:cNvPicPr>
+          <p:nvPr>
+            <p:ph idx="1"/>
+          </p:nvPr>
+        </p:nvPicPr>
+        <p:blipFill>
+          <a:blip r:embed="rId2"/>
+          <a:stretch>
+            <a:fillRect/>
+          </a:stretch>
+        </p:blipFill>
+        <p:spPr>
+          <a:xfrm>
+            <a:off x="457200" y="1673865"/>
+            <a:ext cx="7239000" cy="4718357"/>
+          </a:xfrm>
+        </p:spPr>
+      </p:pic>
+    </p:spTree>
+  </p:cSld>
+  <p:clrMapOvr>
+    <a:masterClrMapping/>
+  </p:clrMapOvr>
+</p:sld>
+</file>
+
+<file path=ppt/slides/slide15.xml><?xml version="1.0" encoding="utf-8"?>
+<p:sld xmlns:a="http://schemas.openxmlformats.org/drawingml/2006/main" xmlns:r="http://schemas.openxmlformats.org/officeDocument/2006/relationships" xmlns:p="http://schemas.openxmlformats.org/presentationml/2006/main">
+  <p:cSld>
+    <p:spTree>
+      <p:nvGrpSpPr>
+        <p:cNvPr id="1" name=""/>
+        <p:cNvGrpSpPr/>
+        <p:nvPr/>
+      </p:nvGrpSpPr>
+      <p:grpSpPr>
+        <a:xfrm>
+          <a:off x="0" y="0"/>
+          <a:ext cx="0" cy="0"/>
+          <a:chOff x="0" y="0"/>
+          <a:chExt cx="0" cy="0"/>
+        </a:xfrm>
+      </p:grpSpPr>
+      <p:sp>
+        <p:nvSpPr>
+          <p:cNvPr id="2" name="Title 1"/>
+          <p:cNvSpPr>
+            <a:spLocks noGrp="1"/>
+          </p:cNvSpPr>
+          <p:nvPr>
+            <p:ph type="title"/>
+          </p:nvPr>
+        </p:nvSpPr>
+        <p:spPr/>
+        <p:txBody>
+          <a:bodyPr/>
+          <a:lstStyle/>
+          <a:p>
+            <a:r>
+              <a:rPr lang="en-US" dirty="0" err="1" smtClean="0"/>
+              <a:t>Friend_home</a:t>
+            </a:r>
+            <a:endParaRPr lang="en-US" dirty="0"/>
+          </a:p>
+        </p:txBody>
+      </p:sp>
+      <p:sp>
+        <p:nvSpPr>
+          <p:cNvPr id="3" name="Content Placeholder 2"/>
+          <p:cNvSpPr>
+            <a:spLocks noGrp="1"/>
+          </p:cNvSpPr>
+          <p:nvPr>
+            <p:ph idx="1"/>
+          </p:nvPr>
+        </p:nvSpPr>
+        <p:spPr/>
+        <p:txBody>
+          <a:bodyPr/>
+          <a:lstStyle/>
+          <a:p>
+            <a:r>
+              <a:rPr lang="en-US" dirty="0" smtClean="0"/>
+              <a:t>All friend links go to same friend_home.php</a:t>
+            </a:r>
+          </a:p>
+          <a:p>
+            <a:r>
+              <a:rPr lang="en-US" dirty="0" smtClean="0"/>
+              <a:t>Display based on following</a:t>
+            </a:r>
+          </a:p>
+          <a:p>
+            <a:r>
+              <a:rPr lang="en-US" dirty="0" smtClean="0"/>
+              <a:t>&lt;a </a:t>
+            </a:r>
+            <a:r>
+              <a:rPr lang="en-US" dirty="0" err="1" smtClean="0"/>
+              <a:t>href</a:t>
+            </a:r>
+            <a:r>
+              <a:rPr lang="en-US" dirty="0" smtClean="0"/>
+              <a:t>='</a:t>
+            </a:r>
+            <a:r>
+              <a:rPr lang="en-US" dirty="0" err="1" smtClean="0"/>
+              <a:t>friend_home.php</a:t>
+            </a:r>
+            <a:r>
+              <a:rPr lang="en-US" dirty="0" err="1" smtClean="0">
+                <a:solidFill>
+                  <a:srgbClr val="FF0000"/>
+                </a:solidFill>
+              </a:rPr>
+              <a:t>?fname</a:t>
+            </a:r>
+            <a:r>
+              <a:rPr lang="en-US" dirty="0" smtClean="0">
+                <a:solidFill>
+                  <a:srgbClr val="FF0000"/>
+                </a:solidFill>
+              </a:rPr>
+              <a:t>=$friends</a:t>
+            </a:r>
+            <a:r>
+              <a:rPr lang="en-US" dirty="0" smtClean="0"/>
+              <a:t>'&gt;</a:t>
+            </a:r>
+          </a:p>
+          <a:p>
+            <a:r>
+              <a:rPr lang="en-US" dirty="0" smtClean="0"/>
+              <a:t>Doesn’t display status edit</a:t>
+            </a:r>
+          </a:p>
+          <a:p>
+            <a:r>
+              <a:rPr lang="en-US" dirty="0" smtClean="0"/>
+              <a:t>Displays wall post</a:t>
+            </a:r>
+          </a:p>
+          <a:p>
+            <a:endParaRPr lang="en-US" dirty="0" smtClean="0"/>
+          </a:p>
+          <a:p>
+            <a:r>
+              <a:rPr lang="en-US" dirty="0" smtClean="0"/>
+              <a:t>$sql2 = "UPDATE project3 SET Wall1='$wall' WHERE Username='$</a:t>
+            </a:r>
+            <a:r>
+              <a:rPr lang="en-US" dirty="0" err="1" smtClean="0"/>
+              <a:t>fname</a:t>
+            </a:r>
+            <a:r>
+              <a:rPr lang="en-US" dirty="0" smtClean="0"/>
+              <a:t>'";</a:t>
+            </a:r>
+            <a:endParaRPr lang="en-US" dirty="0"/>
+          </a:p>
+        </p:txBody>
+      </p:sp>
+    </p:spTree>
+  </p:cSld>
+  <p:clrMapOvr>
+    <a:masterClrMapping/>
+  </p:clrMapOvr>
+</p:sld>
+</file>
+
+<file path=ppt/slides/slide16.xml><?xml version="1.0" encoding="utf-8"?>
+<p:sld xmlns:a="http://schemas.openxmlformats.org/drawingml/2006/main" xmlns:r="http://schemas.openxmlformats.org/officeDocument/2006/relationships" xmlns:p="http://schemas.openxmlformats.org/presentationml/2006/main">
+  <p:cSld>
+    <p:spTree>
+      <p:nvGrpSpPr>
+        <p:cNvPr id="1" name=""/>
+        <p:cNvGrpSpPr/>
+        <p:nvPr/>
+      </p:nvGrpSpPr>
+      <p:grpSpPr>
+        <a:xfrm>
+          <a:off x="0" y="0"/>
+          <a:ext cx="0" cy="0"/>
+          <a:chOff x="0" y="0"/>
+          <a:chExt cx="0" cy="0"/>
+        </a:xfrm>
+      </p:grpSpPr>
+      <p:sp>
+        <p:nvSpPr>
+          <p:cNvPr id="2" name="Title 1"/>
+          <p:cNvSpPr>
+            <a:spLocks noGrp="1"/>
+          </p:cNvSpPr>
+          <p:nvPr>
+            <p:ph type="title"/>
+          </p:nvPr>
+        </p:nvSpPr>
+        <p:spPr/>
+        <p:txBody>
+          <a:bodyPr/>
+          <a:lstStyle/>
+          <a:p>
+            <a:r>
+              <a:rPr lang="en-US" dirty="0" smtClean="0"/>
+              <a:t>Testing</a:t>
+            </a:r>
+            <a:endParaRPr lang="en-US" dirty="0"/>
+          </a:p>
+        </p:txBody>
+      </p:sp>
+      <p:sp>
+        <p:nvSpPr>
+          <p:cNvPr id="3" name="Content Placeholder 2"/>
+          <p:cNvSpPr>
+            <a:spLocks noGrp="1"/>
+          </p:cNvSpPr>
+          <p:nvPr>
+            <p:ph idx="1"/>
+          </p:nvPr>
+        </p:nvSpPr>
+        <p:spPr/>
+        <p:txBody>
+          <a:bodyPr/>
+          <a:lstStyle/>
+          <a:p>
+            <a:r>
+              <a:rPr lang="en-US" dirty="0" smtClean="0"/>
+              <a:t>Logging in and out</a:t>
+            </a:r>
+          </a:p>
+          <a:p>
+            <a:pPr lvl="1"/>
+            <a:r>
+              <a:rPr lang="en-US" dirty="0" smtClean="0"/>
+              <a:t>Ensure database updates</a:t>
+            </a:r>
+          </a:p>
+          <a:p>
+            <a:pPr lvl="1"/>
+            <a:r>
+              <a:rPr lang="en-US" dirty="0" smtClean="0"/>
+              <a:t>Comparing printed value and database value</a:t>
+            </a:r>
+          </a:p>
+          <a:p>
+            <a:pPr lvl="1"/>
+            <a:r>
+              <a:rPr lang="en-US" dirty="0" smtClean="0"/>
+              <a:t>Checking other users values</a:t>
+            </a:r>
+          </a:p>
+          <a:p>
+            <a:pPr lvl="1"/>
+            <a:endParaRPr lang="en-US" dirty="0"/>
+          </a:p>
+        </p:txBody>
+      </p:sp>
+    </p:spTree>
+  </p:cSld>
+  <p:clrMapOvr>
+    <a:masterClrMapping/>
+  </p:clrMapOvr>
+</p:sld>
+</file>
+
+<file path=ppt/slides/slide17.xml><?xml version="1.0" encoding="utf-8"?>
+<p:sld xmlns:a="http://schemas.openxmlformats.org/drawingml/2006/main" xmlns:r="http://schemas.openxmlformats.org/officeDocument/2006/relationships" xmlns:p="http://schemas.openxmlformats.org/presentationml/2006/main">
+  <p:cSld>
+    <p:spTree>
+      <p:nvGrpSpPr>
+        <p:cNvPr id="1" name=""/>
+        <p:cNvGrpSpPr/>
+        <p:nvPr/>
+      </p:nvGrpSpPr>
+      <p:grpSpPr>
+        <a:xfrm>
+          <a:off x="0" y="0"/>
+          <a:ext cx="0" cy="0"/>
+          <a:chOff x="0" y="0"/>
+          <a:chExt cx="0" cy="0"/>
+        </a:xfrm>
+      </p:grpSpPr>
+      <p:sp>
+        <p:nvSpPr>
+          <p:cNvPr id="2" name="Title 1"/>
+          <p:cNvSpPr>
+            <a:spLocks noGrp="1"/>
+          </p:cNvSpPr>
+          <p:nvPr>
+            <p:ph type="title"/>
+          </p:nvPr>
+        </p:nvSpPr>
+        <p:spPr/>
+        <p:txBody>
+          <a:bodyPr/>
+          <a:lstStyle/>
+          <a:p>
+            <a:r>
+              <a:rPr lang="en-US" dirty="0" smtClean="0"/>
+              <a:t>testing</a:t>
+            </a:r>
+            <a:endParaRPr lang="en-US" dirty="0"/>
+          </a:p>
+        </p:txBody>
+      </p:sp>
+      <p:sp>
+        <p:nvSpPr>
+          <p:cNvPr id="13" name="Content Placeholder 12"/>
+          <p:cNvSpPr>
+            <a:spLocks noGrp="1"/>
+          </p:cNvSpPr>
+          <p:nvPr>
+            <p:ph sz="half" idx="1"/>
+          </p:nvPr>
+        </p:nvSpPr>
+        <p:spPr/>
+        <p:txBody>
+          <a:bodyPr/>
+          <a:lstStyle/>
+          <a:p>
+            <a:r>
+              <a:rPr lang="en-US" dirty="0" err="1" smtClean="0"/>
+              <a:t>User_home</a:t>
+            </a:r>
+            <a:endParaRPr lang="en-US" dirty="0" smtClean="0"/>
+          </a:p>
+          <a:p>
+            <a:pPr lvl="1"/>
+            <a:r>
+              <a:rPr lang="en-US" dirty="0" smtClean="0"/>
+              <a:t>Updating Status</a:t>
+            </a:r>
+          </a:p>
+          <a:p>
+            <a:pPr lvl="1"/>
+            <a:r>
+              <a:rPr lang="en-US" dirty="0" smtClean="0"/>
+              <a:t>Showing the current users status</a:t>
+            </a:r>
+          </a:p>
+          <a:p>
+            <a:pPr lvl="1"/>
+            <a:r>
+              <a:rPr lang="en-US" dirty="0" smtClean="0"/>
+              <a:t>Different $_SESSION based on logged in user or friend	</a:t>
+            </a:r>
+            <a:endParaRPr lang="en-US" dirty="0"/>
+          </a:p>
+        </p:txBody>
+      </p:sp>
+      <p:sp>
+        <p:nvSpPr>
+          <p:cNvPr id="14" name="Content Placeholder 13"/>
+          <p:cNvSpPr>
+            <a:spLocks noGrp="1"/>
+          </p:cNvSpPr>
+          <p:nvPr>
+            <p:ph sz="half" idx="2"/>
+          </p:nvPr>
+        </p:nvSpPr>
+        <p:spPr/>
+        <p:txBody>
+          <a:bodyPr/>
+          <a:lstStyle/>
+          <a:p>
+            <a:r>
+              <a:rPr lang="en-US" dirty="0" err="1" smtClean="0"/>
+              <a:t>Friend_home</a:t>
+            </a:r>
+            <a:endParaRPr lang="en-US" dirty="0" smtClean="0"/>
+          </a:p>
+          <a:p>
+            <a:pPr lvl="1"/>
+            <a:r>
+              <a:rPr lang="en-US" dirty="0" smtClean="0"/>
+              <a:t>Able to write on wall</a:t>
+            </a:r>
+          </a:p>
+          <a:p>
+            <a:pPr lvl="1"/>
+            <a:r>
+              <a:rPr lang="en-US" dirty="0" smtClean="0"/>
+              <a:t>Showing wall posts that belong to that user</a:t>
+            </a:r>
+          </a:p>
+          <a:p>
+            <a:pPr lvl="1"/>
+            <a:r>
+              <a:rPr lang="en-US" dirty="0" smtClean="0"/>
+              <a:t>Iterate through “null” values to write to the next wall space</a:t>
+            </a:r>
+          </a:p>
+        </p:txBody>
+      </p:sp>
+    </p:spTree>
+  </p:cSld>
+  <p:clrMapOvr>
+    <a:masterClrMapping/>
+  </p:clrMapOvr>
+</p:sld>
+</file>
+
+<file path=ppt/slides/slide18.xml><?xml version="1.0" encoding="utf-8"?>
+<p:sld xmlns:a="http://schemas.openxmlformats.org/drawingml/2006/main" xmlns:r="http://schemas.openxmlformats.org/officeDocument/2006/relationships" xmlns:p="http://schemas.openxmlformats.org/presentationml/2006/main">
+  <p:cSld>
+    <p:spTree>
+      <p:nvGrpSpPr>
+        <p:cNvPr id="1" name=""/>
+        <p:cNvGrpSpPr/>
+        <p:nvPr/>
+      </p:nvGrpSpPr>
+      <p:grpSpPr>
+        <a:xfrm>
+          <a:off x="0" y="0"/>
+          <a:ext cx="0" cy="0"/>
+          <a:chOff x="0" y="0"/>
+          <a:chExt cx="0" cy="0"/>
+        </a:xfrm>
+      </p:grpSpPr>
+      <p:sp>
+        <p:nvSpPr>
+          <p:cNvPr id="2" name="Title 1"/>
+          <p:cNvSpPr>
+            <a:spLocks noGrp="1"/>
+          </p:cNvSpPr>
+          <p:nvPr>
+            <p:ph type="title"/>
+          </p:nvPr>
+        </p:nvSpPr>
+        <p:spPr/>
+        <p:txBody>
+          <a:bodyPr/>
+          <a:lstStyle/>
+          <a:p>
+            <a:r>
+              <a:rPr lang="en-US" dirty="0" smtClean="0"/>
+              <a:t>Linked db	</a:t>
+            </a:r>
+            <a:endParaRPr lang="en-US" dirty="0"/>
+          </a:p>
+        </p:txBody>
+      </p:sp>
+      <p:sp>
+        <p:nvSpPr>
+          <p:cNvPr id="3" name="Content Placeholder 2"/>
+          <p:cNvSpPr>
+            <a:spLocks noGrp="1"/>
+          </p:cNvSpPr>
+          <p:nvPr>
+            <p:ph sz="half" idx="1"/>
+          </p:nvPr>
+        </p:nvSpPr>
+        <p:spPr/>
+        <p:txBody>
+          <a:bodyPr/>
+          <a:lstStyle/>
+          <a:p>
+            <a:r>
+              <a:rPr lang="en-US" u="sng" dirty="0" smtClean="0"/>
+              <a:t>PROBLEM</a:t>
+            </a:r>
+          </a:p>
+          <a:p>
+            <a:r>
+              <a:rPr lang="en-US" dirty="0" smtClean="0"/>
+              <a:t>Error when posting on wall</a:t>
+            </a:r>
+          </a:p>
+          <a:p>
+            <a:pPr lvl="1"/>
+            <a:r>
+              <a:rPr lang="en-US" dirty="0" smtClean="0"/>
+              <a:t>Old users were not linked</a:t>
+            </a:r>
+          </a:p>
+          <a:p>
+            <a:r>
+              <a:rPr lang="en-US" dirty="0" smtClean="0"/>
+              <a:t>Removed all users</a:t>
+            </a:r>
+          </a:p>
+          <a:p>
+            <a:pPr lvl="1"/>
+            <a:r>
+              <a:rPr lang="en-US" dirty="0" smtClean="0"/>
+              <a:t>Added Log value</a:t>
+            </a:r>
+          </a:p>
+          <a:p>
+            <a:pPr lvl="1"/>
+            <a:r>
+              <a:rPr lang="en-US" dirty="0" smtClean="0"/>
+              <a:t>Added Sec Q</a:t>
+            </a:r>
+          </a:p>
+          <a:p>
+            <a:pPr lvl="1"/>
+            <a:r>
+              <a:rPr lang="en-US" dirty="0" smtClean="0"/>
+              <a:t>Added Linked DB</a:t>
+            </a:r>
+          </a:p>
+          <a:p>
+            <a:pPr lvl="1"/>
+            <a:endParaRPr lang="en-US" dirty="0"/>
+          </a:p>
+        </p:txBody>
+      </p:sp>
+      <p:sp>
+        <p:nvSpPr>
+          <p:cNvPr id="4" name="Content Placeholder 3"/>
+          <p:cNvSpPr>
+            <a:spLocks noGrp="1"/>
+          </p:cNvSpPr>
+          <p:nvPr>
+            <p:ph sz="half" idx="2"/>
+          </p:nvPr>
+        </p:nvSpPr>
+        <p:spPr/>
+        <p:txBody>
+          <a:bodyPr/>
+          <a:lstStyle/>
+          <a:p>
+            <a:r>
+              <a:rPr lang="en-US" u="sng" smtClean="0"/>
+              <a:t>SOLUTION</a:t>
+            </a:r>
+          </a:p>
+          <a:p>
+            <a:r>
+              <a:rPr lang="en-US" dirty="0" smtClean="0"/>
+              <a:t>Delete from … where username = ‘’</a:t>
+            </a:r>
+            <a:endParaRPr lang="en-US" dirty="0"/>
+          </a:p>
+        </p:txBody>
+      </p:sp>
+    </p:spTree>
+  </p:cSld>
+  <p:clrMapOvr>
+    <a:masterClrMapping/>
+  </p:clrMapOvr>
+</p:sld>
+</file>
+
+<file path=ppt/slides/slide19.xml><?xml version="1.0" encoding="utf-8"?>
+<p:sld xmlns:a="http://schemas.openxmlformats.org/drawingml/2006/main" xmlns:r="http://schemas.openxmlformats.org/officeDocument/2006/relationships" xmlns:p="http://schemas.openxmlformats.org/presentationml/2006/main">
+  <p:cSld>
+    <p:spTree>
+      <p:nvGrpSpPr>
+        <p:cNvPr id="1" name=""/>
+        <p:cNvGrpSpPr/>
+        <p:nvPr/>
+      </p:nvGrpSpPr>
+      <p:grpSpPr>
+        <a:xfrm>
+          <a:off x="0" y="0"/>
+          <a:ext cx="0" cy="0"/>
+          <a:chOff x="0" y="0"/>
+          <a:chExt cx="0" cy="0"/>
+        </a:xfrm>
+      </p:grpSpPr>
+      <p:sp>
+        <p:nvSpPr>
+          <p:cNvPr id="2" name="Title 1"/>
+          <p:cNvSpPr>
+            <a:spLocks noGrp="1"/>
+          </p:cNvSpPr>
+          <p:nvPr>
+            <p:ph type="title"/>
+          </p:nvPr>
+        </p:nvSpPr>
+        <p:spPr/>
+        <p:txBody>
+          <a:bodyPr/>
+          <a:lstStyle/>
+          <a:p>
+            <a:r>
+              <a:rPr lang="en-US" dirty="0" smtClean="0"/>
+              <a:t>Linked db</a:t>
+            </a:r>
+            <a:endParaRPr lang="en-US" dirty="0"/>
+          </a:p>
+        </p:txBody>
+      </p:sp>
+      <p:sp>
+        <p:nvSpPr>
+          <p:cNvPr id="3" name="Content Placeholder 2"/>
+          <p:cNvSpPr>
+            <a:spLocks noGrp="1"/>
+          </p:cNvSpPr>
+          <p:nvPr>
+            <p:ph sz="half" idx="1"/>
+          </p:nvPr>
+        </p:nvSpPr>
+        <p:spPr/>
+        <p:txBody>
+          <a:bodyPr/>
+          <a:lstStyle/>
+          <a:p>
+            <a:r>
+              <a:rPr lang="en-US" u="sng" dirty="0" smtClean="0"/>
+              <a:t>PROBLEM</a:t>
+            </a:r>
+          </a:p>
+          <a:p>
+            <a:r>
+              <a:rPr lang="en-US" dirty="0" smtClean="0"/>
+              <a:t>Accidentally made linked wall posts VARCHAR(20)</a:t>
+            </a:r>
+          </a:p>
+          <a:p>
+            <a:endParaRPr lang="en-US" dirty="0" smtClean="0"/>
+          </a:p>
+          <a:p>
+            <a:r>
+              <a:rPr lang="en-US" dirty="0" smtClean="0"/>
+              <a:t>Previously VARCHAR(90)</a:t>
+            </a:r>
+            <a:endParaRPr lang="en-US" dirty="0"/>
+          </a:p>
+        </p:txBody>
+      </p:sp>
+      <p:sp>
+        <p:nvSpPr>
+          <p:cNvPr id="4" name="Content Placeholder 3"/>
+          <p:cNvSpPr>
+            <a:spLocks noGrp="1"/>
+          </p:cNvSpPr>
+          <p:nvPr>
+            <p:ph sz="half" idx="2"/>
+          </p:nvPr>
+        </p:nvSpPr>
+        <p:spPr/>
+        <p:txBody>
+          <a:bodyPr/>
+          <a:lstStyle/>
+          <a:p>
+            <a:r>
+              <a:rPr lang="en-US" u="sng" dirty="0" smtClean="0"/>
+              <a:t>SOLUTION</a:t>
+            </a:r>
+          </a:p>
+          <a:p>
+            <a:r>
+              <a:rPr lang="en-US" dirty="0" smtClean="0"/>
+              <a:t>ALTER TABLE </a:t>
+            </a:r>
+            <a:r>
+              <a:rPr lang="en-US" dirty="0" err="1" smtClean="0"/>
+              <a:t>wallposts</a:t>
+            </a:r>
+            <a:r>
+              <a:rPr lang="en-US" dirty="0" smtClean="0"/>
+              <a:t> modify column … VARCHAR(90)</a:t>
             </a:r>
             <a:endParaRPr lang="en-US" dirty="0"/>
           </a:p>
@@ -4128,7 +5107,6 @@
               <a:rPr lang="en-US" dirty="0" smtClean="0"/>
               <a:t>Logged in Status, On/Offline Icons, Testing</a:t>
             </a:r>
-            <a:endParaRPr lang="en-US" dirty="0" smtClean="0"/>
           </a:p>
           <a:p>
             <a:r>
@@ -4142,7 +5120,6 @@
               <a:rPr lang="en-US" dirty="0" smtClean="0"/>
               <a:t>Selection Preview Window, Wall Posts, Testing</a:t>
             </a:r>
-            <a:endParaRPr lang="en-US" dirty="0" smtClean="0"/>
           </a:p>
           <a:p>
             <a:r>
@@ -4188,6 +5165,61 @@
           <a:p>
             <a:pPr lvl="1"/>
             <a:endParaRPr lang="en-US" dirty="0" smtClean="0"/>
+          </a:p>
+        </p:txBody>
+      </p:sp>
+    </p:spTree>
+  </p:cSld>
+  <p:clrMapOvr>
+    <a:masterClrMapping/>
+  </p:clrMapOvr>
+</p:sld>
+</file>
+
+<file path=ppt/slides/slide20.xml><?xml version="1.0" encoding="utf-8"?>
+<p:sld xmlns:a="http://schemas.openxmlformats.org/drawingml/2006/main" xmlns:r="http://schemas.openxmlformats.org/officeDocument/2006/relationships" xmlns:p="http://schemas.openxmlformats.org/presentationml/2006/main">
+  <p:cSld>
+    <p:spTree>
+      <p:nvGrpSpPr>
+        <p:cNvPr id="1" name=""/>
+        <p:cNvGrpSpPr/>
+        <p:nvPr/>
+      </p:nvGrpSpPr>
+      <p:grpSpPr>
+        <a:xfrm>
+          <a:off x="0" y="0"/>
+          <a:ext cx="0" cy="0"/>
+          <a:chOff x="0" y="0"/>
+          <a:chExt cx="0" cy="0"/>
+        </a:xfrm>
+      </p:grpSpPr>
+      <p:sp>
+        <p:nvSpPr>
+          <p:cNvPr id="5" name="Title 4"/>
+          <p:cNvSpPr>
+            <a:spLocks noGrp="1"/>
+          </p:cNvSpPr>
+          <p:nvPr>
+            <p:ph type="title"/>
+          </p:nvPr>
+        </p:nvSpPr>
+        <p:spPr>
+          <a:xfrm>
+            <a:off x="0" y="320040"/>
+            <a:ext cx="9144000" cy="4099560"/>
+          </a:xfrm>
+        </p:spPr>
+        <p:txBody>
+          <a:bodyPr>
+            <a:normAutofit/>
+          </a:bodyPr>
+          <a:lstStyle/>
+          <a:p>
+            <a:r>
+              <a:rPr lang="en-US" dirty="0" smtClean="0"/>
+              <a:t>http://codd.cs.gsu.edu/~abaskara1/Project3/home.html</a:t>
+            </a:r>
+            <a:endParaRPr lang="en-US" dirty="0"/>
           </a:p>
         </p:txBody>
       </p:sp>
@@ -4218,7 +5250,7 @@
       </p:grpSpPr>
       <p:sp>
         <p:nvSpPr>
-          <p:cNvPr id="7" name="Title 6"/>
+          <p:cNvPr id="2" name="Title 1"/>
           <p:cNvSpPr>
             <a:spLocks noGrp="1"/>
           </p:cNvSpPr>
@@ -4232,8 +5264,8 @@
           <a:lstStyle/>
           <a:p>
             <a:r>
-              <a:rPr smtClean="0"/>
-              <a:t>Overview</a:t>
+              <a:rPr lang="en-US" dirty="0" smtClean="0"/>
+              <a:t>Minor v1 upgrades	</a:t>
             </a:r>
             <a:endParaRPr lang="en-US" dirty="0"/>
           </a:p>
@@ -4241,12 +5273,12 @@
       </p:sp>
       <p:sp>
         <p:nvSpPr>
-          <p:cNvPr id="9" name="Text Placeholder 8"/>
-          <p:cNvSpPr>
-            <a:spLocks noGrp="1"/>
-          </p:cNvSpPr>
-          <p:nvPr>
-            <p:ph type="body" idx="2"/>
+          <p:cNvPr id="3" name="Content Placeholder 2"/>
+          <p:cNvSpPr>
+            <a:spLocks noGrp="1"/>
+          </p:cNvSpPr>
+          <p:nvPr>
+            <p:ph idx="1"/>
           </p:nvPr>
         </p:nvSpPr>
         <p:spPr/>
@@ -4256,39 +5288,83 @@
           <a:p>
             <a:r>
               <a:rPr lang="en-US" dirty="0" smtClean="0"/>
-              <a:t>A Social Media Website using HTML, CSS, PHP, and </a:t>
+              <a:t>Adding scrollbar</a:t>
+            </a:r>
+          </a:p>
+          <a:p>
+            <a:pPr lvl="1"/>
+            <a:r>
+              <a:rPr lang="en-US" dirty="0" smtClean="0"/>
+              <a:t>Previously: could not see entire friends list</a:t>
+            </a:r>
+          </a:p>
+          <a:p>
+            <a:pPr lvl="1"/>
+            <a:r>
+              <a:rPr lang="en-US" dirty="0" smtClean="0"/>
+              <a:t> overflow-y:scroll;</a:t>
+            </a:r>
+          </a:p>
+          <a:p>
+            <a:r>
+              <a:rPr lang="en-US" dirty="0" smtClean="0"/>
+              <a:t>Hidden Passwords</a:t>
+            </a:r>
+          </a:p>
+          <a:p>
+            <a:pPr lvl="1"/>
+            <a:r>
+              <a:rPr lang="en-US" dirty="0" smtClean="0"/>
+              <a:t>Previously: password field was shown as text</a:t>
+            </a:r>
+          </a:p>
+          <a:p>
+            <a:pPr lvl="1"/>
+            <a:r>
+              <a:rPr lang="en-US" dirty="0" smtClean="0"/>
+              <a:t>&lt;input type="password" name="password"&gt;</a:t>
+            </a:r>
+          </a:p>
+          <a:p>
+            <a:r>
+              <a:rPr lang="en-US" dirty="0" smtClean="0"/>
+              <a:t>Wall Post Location</a:t>
+            </a:r>
+          </a:p>
+          <a:p>
+            <a:pPr lvl="1"/>
+            <a:r>
+              <a:rPr lang="en-US" dirty="0" smtClean="0"/>
+              <a:t>Previously: after post </a:t>
             </a:r>
             <a:r>
               <a:rPr lang="en-US" dirty="0" err="1" smtClean="0"/>
-              <a:t>MySQL</a:t>
-            </a:r>
-            <a:endParaRPr lang="en-US" dirty="0"/>
-          </a:p>
-        </p:txBody>
-      </p:sp>
-      <p:pic>
-        <p:nvPicPr>
-          <p:cNvPr id="6" name="Content Placeholder 5" descr="home.PNG"/>
-          <p:cNvPicPr>
-            <a:picLocks noGrp="1" noChangeAspect="1"/>
-          </p:cNvPicPr>
-          <p:nvPr>
-            <p:ph sz="half" idx="1"/>
-          </p:nvPr>
-        </p:nvPicPr>
-        <p:blipFill>
-          <a:blip r:embed="rId2"/>
-          <a:stretch>
-            <a:fillRect/>
-          </a:stretch>
-        </p:blipFill>
-        <p:spPr>
-          <a:xfrm>
-            <a:off x="462245" y="2133600"/>
-            <a:ext cx="7228909" cy="4371975"/>
-          </a:xfrm>
-        </p:spPr>
-      </p:pic>
+              <a:t>Location:home</a:t>
+            </a:r>
+            <a:endParaRPr lang="en-US" dirty="0" smtClean="0"/>
+          </a:p>
+          <a:p>
+            <a:pPr lvl="1"/>
+            <a:r>
+              <a:rPr lang="en-US" dirty="0" smtClean="0"/>
+              <a:t>Location: </a:t>
+            </a:r>
+            <a:r>
+              <a:rPr lang="en-US" dirty="0" err="1" smtClean="0"/>
+              <a:t>friend_home.php?fname</a:t>
+            </a:r>
+            <a:r>
+              <a:rPr lang="en-US" dirty="0" smtClean="0"/>
+              <a:t>=$</a:t>
+            </a:r>
+            <a:r>
+              <a:rPr lang="en-US" dirty="0" err="1" smtClean="0"/>
+              <a:t>fname</a:t>
+            </a:r>
+            <a:endParaRPr lang="en-US" dirty="0" smtClean="0"/>
+          </a:p>
+        </p:txBody>
+      </p:sp>
     </p:spTree>
   </p:cSld>
   <p:clrMapOvr>
@@ -4316,7 +5392,7 @@
       </p:grpSpPr>
       <p:sp>
         <p:nvSpPr>
-          <p:cNvPr id="7" name="Title 6"/>
+          <p:cNvPr id="2" name="Title 1"/>
           <p:cNvSpPr>
             <a:spLocks noGrp="1"/>
           </p:cNvSpPr>
@@ -4326,73 +5402,79 @@
         </p:nvSpPr>
         <p:spPr/>
         <p:txBody>
-          <a:bodyPr/>
+          <a:bodyPr>
+            <a:normAutofit/>
+          </a:bodyPr>
           <a:lstStyle/>
           <a:p>
             <a:r>
+              <a:rPr lang="en-US" dirty="0" smtClean="0"/>
+              <a:t>Things we couldn’t do</a:t>
+            </a:r>
+            <a:endParaRPr lang="en-US" dirty="0"/>
+          </a:p>
+        </p:txBody>
+      </p:sp>
+      <p:sp>
+        <p:nvSpPr>
+          <p:cNvPr id="3" name="Content Placeholder 2"/>
+          <p:cNvSpPr>
+            <a:spLocks noGrp="1"/>
+          </p:cNvSpPr>
+          <p:nvPr>
+            <p:ph idx="1"/>
+          </p:nvPr>
+        </p:nvSpPr>
+        <p:spPr/>
+        <p:txBody>
+          <a:bodyPr/>
+          <a:lstStyle/>
+          <a:p>
+            <a:r>
+              <a:rPr lang="en-US" dirty="0" smtClean="0"/>
+              <a:t>Log out on browser close</a:t>
+            </a:r>
+          </a:p>
+          <a:p>
+            <a:pPr lvl="1">
+              <a:buNone/>
+            </a:pPr>
+            <a:endParaRPr lang="en-US" dirty="0" smtClean="0"/>
+          </a:p>
+          <a:p>
+            <a:r>
+              <a:rPr lang="en-US" dirty="0" smtClean="0"/>
+              <a:t>On page “Friend Search”</a:t>
+            </a:r>
+          </a:p>
+          <a:p>
+            <a:endParaRPr lang="en-US" dirty="0" smtClean="0"/>
+          </a:p>
+          <a:p>
+            <a:r>
+              <a:rPr lang="en-US" dirty="0" smtClean="0"/>
+              <a:t>Edit profile updating immediately</a:t>
+            </a:r>
+          </a:p>
+          <a:p>
+            <a:pPr lvl="1"/>
+            <a:r>
               <a:rPr lang="en-US" dirty="0" err="1" smtClean="0"/>
-              <a:t>Mysql</a:t>
-            </a:r>
-            <a:endParaRPr lang="en-US" dirty="0"/>
-          </a:p>
-        </p:txBody>
-      </p:sp>
-      <p:pic>
-        <p:nvPicPr>
-          <p:cNvPr id="10" name="Content Placeholder 9" descr="dbtable.PNG"/>
-          <p:cNvPicPr>
-            <a:picLocks noGrp="1" noChangeAspect="1"/>
-          </p:cNvPicPr>
-          <p:nvPr>
-            <p:ph sz="half" idx="1"/>
-          </p:nvPr>
-        </p:nvPicPr>
-        <p:blipFill>
-          <a:blip r:embed="rId2"/>
-          <a:stretch>
-            <a:fillRect/>
-          </a:stretch>
-        </p:blipFill>
-        <p:spPr>
-          <a:xfrm>
-            <a:off x="1371600" y="1447800"/>
-            <a:ext cx="5470964" cy="3470219"/>
-          </a:xfrm>
-        </p:spPr>
-      </p:pic>
-      <p:sp>
-        <p:nvSpPr>
-          <p:cNvPr id="9" name="Content Placeholder 8"/>
-          <p:cNvSpPr>
-            <a:spLocks noGrp="1"/>
-          </p:cNvSpPr>
-          <p:nvPr>
-            <p:ph sz="half" idx="2"/>
-          </p:nvPr>
-        </p:nvSpPr>
-        <p:spPr>
-          <a:xfrm>
-            <a:off x="533400" y="4953000"/>
-            <a:ext cx="7165848" cy="1600200"/>
-          </a:xfrm>
-        </p:spPr>
-        <p:txBody>
-          <a:bodyPr/>
-          <a:lstStyle/>
-          <a:p>
-            <a:r>
-              <a:rPr lang="en-US" dirty="0" smtClean="0"/>
-              <a:t>Login Information</a:t>
+              <a:t>User_home</a:t>
+            </a:r>
+            <a:r>
+              <a:rPr lang="en-US" dirty="0" smtClean="0"/>
+              <a:t> loads from session variables</a:t>
             </a:r>
           </a:p>
           <a:p>
             <a:endParaRPr lang="en-US" dirty="0" smtClean="0"/>
           </a:p>
           <a:p>
-            <a:r>
-              <a:rPr lang="en-US" dirty="0" smtClean="0"/>
-              <a:t>Displayed Information</a:t>
-            </a:r>
+            <a:endParaRPr lang="en-US" dirty="0" smtClean="0"/>
+          </a:p>
+          <a:p>
+            <a:pPr lvl="1"/>
             <a:endParaRPr lang="en-US" dirty="0"/>
           </a:p>
         </p:txBody>
@@ -4424,7 +5506,7 @@
       </p:grpSpPr>
       <p:sp>
         <p:nvSpPr>
-          <p:cNvPr id="4" name="Title 3"/>
+          <p:cNvPr id="7" name="Title 6"/>
           <p:cNvSpPr>
             <a:spLocks noGrp="1"/>
           </p:cNvSpPr>
@@ -4438,8 +5520,8 @@
           <a:lstStyle/>
           <a:p>
             <a:r>
-              <a:rPr lang="en-US" dirty="0" smtClean="0"/>
-              <a:t>Register</a:t>
+              <a:rPr smtClean="0"/>
+              <a:t>Overview and new features</a:t>
             </a:r>
             <a:endParaRPr lang="en-US" dirty="0"/>
           </a:p>
@@ -4447,73 +5529,26 @@
       </p:sp>
       <p:sp>
         <p:nvSpPr>
-          <p:cNvPr id="5" name="Content Placeholder 4"/>
-          <p:cNvSpPr>
-            <a:spLocks noGrp="1"/>
-          </p:cNvSpPr>
-          <p:nvPr>
-            <p:ph sz="half" idx="1"/>
-          </p:nvPr>
-        </p:nvSpPr>
-        <p:spPr>
-          <a:xfrm>
-            <a:off x="228600" y="1752600"/>
-            <a:ext cx="2438400" cy="4525963"/>
-          </a:xfrm>
-        </p:spPr>
+          <p:cNvPr id="9" name="Text Placeholder 8"/>
+          <p:cNvSpPr>
+            <a:spLocks noGrp="1"/>
+          </p:cNvSpPr>
+          <p:nvPr>
+            <p:ph type="body" idx="2"/>
+          </p:nvPr>
+        </p:nvSpPr>
+        <p:spPr/>
         <p:txBody>
           <a:bodyPr/>
           <a:lstStyle/>
           <a:p>
             <a:r>
               <a:rPr lang="en-US" dirty="0" smtClean="0"/>
-              <a:t>Username</a:t>
-            </a:r>
-          </a:p>
-          <a:p>
-            <a:pPr lvl="1"/>
-            <a:r>
-              <a:rPr lang="en-US" dirty="0" smtClean="0"/>
-              <a:t>Primary Key</a:t>
-            </a:r>
-          </a:p>
-          <a:p>
-            <a:r>
-              <a:rPr lang="en-US" dirty="0" smtClean="0"/>
-              <a:t>Password</a:t>
-            </a:r>
-          </a:p>
-          <a:p>
-            <a:pPr lvl="1"/>
-            <a:r>
-              <a:rPr lang="en-US" dirty="0" smtClean="0"/>
-              <a:t>Re-enter</a:t>
-            </a:r>
-          </a:p>
-          <a:p>
-            <a:r>
-              <a:rPr lang="en-US" dirty="0" smtClean="0"/>
-              <a:t>Icon</a:t>
-            </a:r>
-          </a:p>
-          <a:p>
-            <a:pPr lvl="1"/>
-            <a:r>
-              <a:rPr lang="en-US" dirty="0" smtClean="0"/>
-              <a:t>Choice of 6</a:t>
-            </a:r>
-          </a:p>
-          <a:p>
-            <a:r>
-              <a:rPr lang="en-US" dirty="0" smtClean="0"/>
-              <a:t>Background</a:t>
-            </a:r>
-          </a:p>
-          <a:p>
-            <a:pPr lvl="1"/>
-            <a:r>
-              <a:rPr lang="en-US" dirty="0" smtClean="0"/>
-              <a:t>Choice of 5</a:t>
+              <a:t>A Social Media Website using HTML, CSS,JS, PHP, and </a:t>
+            </a:r>
+            <a:r>
+              <a:rPr lang="en-US" dirty="0" err="1" smtClean="0"/>
+              <a:t>MySQL</a:t>
             </a:r>
             <a:endParaRPr lang="en-US" dirty="0"/>
           </a:p>
@@ -4521,30 +5556,24 @@
       </p:sp>
       <p:pic>
         <p:nvPicPr>
-          <p:cNvPr id="3" name="Content Placeholder 2"/>
+          <p:cNvPr id="6" name="Content Placeholder 5" descr="home.PNG"/>
           <p:cNvPicPr>
             <a:picLocks noGrp="1" noChangeAspect="1"/>
           </p:cNvPicPr>
           <p:nvPr>
-            <p:ph sz="half" idx="2"/>
+            <p:ph sz="half" idx="1"/>
           </p:nvPr>
         </p:nvPicPr>
         <p:blipFill>
-          <a:blip r:embed="rId2" cstate="print">
-            <a:extLst>
-              <a:ext uri="{28A0092B-C50C-407E-A947-70E740481C1C}">
-                <a14:useLocalDpi xmlns="" xmlns:a14="http://schemas.microsoft.com/office/drawing/2010/main" val="0"/>
-              </a:ext>
-            </a:extLst>
-          </a:blip>
+          <a:blip r:embed="rId2"/>
           <a:stretch>
             <a:fillRect/>
           </a:stretch>
         </p:blipFill>
         <p:spPr>
           <a:xfrm>
-            <a:off x="2542308" y="1965080"/>
-            <a:ext cx="5157067" cy="3216520"/>
+            <a:off x="462245" y="2133600"/>
+            <a:ext cx="7228909" cy="4371975"/>
           </a:xfrm>
         </p:spPr>
       </p:pic>
@@ -4575,6 +5604,470 @@
       </p:grpSpPr>
       <p:sp>
         <p:nvSpPr>
+          <p:cNvPr id="7" name="Title 6"/>
+          <p:cNvSpPr>
+            <a:spLocks noGrp="1"/>
+          </p:cNvSpPr>
+          <p:nvPr>
+            <p:ph type="title"/>
+          </p:nvPr>
+        </p:nvSpPr>
+        <p:spPr/>
+        <p:txBody>
+          <a:bodyPr/>
+          <a:lstStyle/>
+          <a:p>
+            <a:r>
+              <a:rPr lang="en-US" dirty="0" err="1" smtClean="0"/>
+              <a:t>Mysql</a:t>
+            </a:r>
+            <a:endParaRPr lang="en-US" dirty="0"/>
+          </a:p>
+        </p:txBody>
+      </p:sp>
+      <p:sp>
+        <p:nvSpPr>
+          <p:cNvPr id="9" name="Content Placeholder 8"/>
+          <p:cNvSpPr>
+            <a:spLocks noGrp="1"/>
+          </p:cNvSpPr>
+          <p:nvPr>
+            <p:ph sz="half" idx="2"/>
+          </p:nvPr>
+        </p:nvSpPr>
+        <p:spPr>
+          <a:xfrm>
+            <a:off x="2133600" y="3200400"/>
+            <a:ext cx="4114800" cy="1219200"/>
+          </a:xfrm>
+        </p:spPr>
+        <p:txBody>
+          <a:bodyPr>
+            <a:normAutofit fontScale="92500" lnSpcReduction="20000"/>
+          </a:bodyPr>
+          <a:lstStyle/>
+          <a:p>
+            <a:r>
+              <a:rPr lang="en-US" dirty="0" err="1" smtClean="0"/>
+              <a:t>LoggedIn</a:t>
+            </a:r>
+            <a:endParaRPr lang="en-US" dirty="0" smtClean="0"/>
+          </a:p>
+          <a:p>
+            <a:endParaRPr lang="en-US" dirty="0" smtClean="0"/>
+          </a:p>
+          <a:p>
+            <a:r>
+              <a:rPr lang="en-US" dirty="0" smtClean="0"/>
+              <a:t>Security Q&amp;A</a:t>
+            </a:r>
+            <a:endParaRPr lang="en-US" dirty="0"/>
+          </a:p>
+        </p:txBody>
+      </p:sp>
+      <p:pic>
+        <p:nvPicPr>
+          <p:cNvPr id="6" name="Content Placeholder 5" descr="original.PNG"/>
+          <p:cNvPicPr>
+            <a:picLocks noGrp="1" noChangeAspect="1"/>
+          </p:cNvPicPr>
+          <p:nvPr>
+            <p:ph sz="half" idx="1"/>
+          </p:nvPr>
+        </p:nvPicPr>
+        <p:blipFill>
+          <a:blip r:embed="rId2"/>
+          <a:srcRect t="79278"/>
+          <a:stretch>
+            <a:fillRect/>
+          </a:stretch>
+        </p:blipFill>
+        <p:spPr>
+          <a:xfrm>
+            <a:off x="990600" y="1676400"/>
+            <a:ext cx="6934200" cy="1135305"/>
+          </a:xfrm>
+        </p:spPr>
+      </p:pic>
+    </p:spTree>
+  </p:cSld>
+  <p:clrMapOvr>
+    <a:masterClrMapping/>
+  </p:clrMapOvr>
+</p:sld>
+</file>
+
+<file path=ppt/slides/slide7.xml><?xml version="1.0" encoding="utf-8"?>
+<p:sld xmlns:a="http://schemas.openxmlformats.org/drawingml/2006/main" xmlns:r="http://schemas.openxmlformats.org/officeDocument/2006/relationships" xmlns:p="http://schemas.openxmlformats.org/presentationml/2006/main">
+  <p:cSld>
+    <p:spTree>
+      <p:nvGrpSpPr>
+        <p:cNvPr id="1" name=""/>
+        <p:cNvGrpSpPr/>
+        <p:nvPr/>
+      </p:nvGrpSpPr>
+      <p:grpSpPr>
+        <a:xfrm>
+          <a:off x="0" y="0"/>
+          <a:ext cx="0" cy="0"/>
+          <a:chOff x="0" y="0"/>
+          <a:chExt cx="0" cy="0"/>
+        </a:xfrm>
+      </p:grpSpPr>
+      <p:sp>
+        <p:nvSpPr>
+          <p:cNvPr id="2" name="Title 1"/>
+          <p:cNvSpPr>
+            <a:spLocks noGrp="1"/>
+          </p:cNvSpPr>
+          <p:nvPr>
+            <p:ph type="title"/>
+          </p:nvPr>
+        </p:nvSpPr>
+        <p:spPr/>
+        <p:txBody>
+          <a:bodyPr/>
+          <a:lstStyle/>
+          <a:p>
+            <a:r>
+              <a:rPr lang="en-US" dirty="0" err="1" smtClean="0"/>
+              <a:t>Mysql</a:t>
+            </a:r>
+            <a:endParaRPr lang="en-US" dirty="0"/>
+          </a:p>
+        </p:txBody>
+      </p:sp>
+      <p:pic>
+        <p:nvPicPr>
+          <p:cNvPr id="5" name="Content Placeholder 4" descr="wallposts.PNG"/>
+          <p:cNvPicPr>
+            <a:picLocks noGrp="1" noChangeAspect="1"/>
+          </p:cNvPicPr>
+          <p:nvPr>
+            <p:ph sz="half" idx="1"/>
+          </p:nvPr>
+        </p:nvPicPr>
+        <p:blipFill>
+          <a:blip r:embed="rId2"/>
+          <a:srcRect t="7273" r="35005" b="10909"/>
+          <a:stretch>
+            <a:fillRect/>
+          </a:stretch>
+        </p:blipFill>
+        <p:spPr>
+          <a:xfrm>
+            <a:off x="4267200" y="2209800"/>
+            <a:ext cx="4572001" cy="3429000"/>
+          </a:xfrm>
+        </p:spPr>
+      </p:pic>
+      <p:sp>
+        <p:nvSpPr>
+          <p:cNvPr id="4" name="Content Placeholder 3"/>
+          <p:cNvSpPr>
+            <a:spLocks noGrp="1"/>
+          </p:cNvSpPr>
+          <p:nvPr>
+            <p:ph sz="half" idx="2"/>
+          </p:nvPr>
+        </p:nvSpPr>
+        <p:spPr>
+          <a:xfrm>
+            <a:off x="228600" y="1447800"/>
+            <a:ext cx="5486400" cy="5059363"/>
+          </a:xfrm>
+        </p:spPr>
+        <p:txBody>
+          <a:bodyPr>
+            <a:normAutofit fontScale="85000" lnSpcReduction="10000"/>
+          </a:bodyPr>
+          <a:lstStyle/>
+          <a:p>
+            <a:r>
+              <a:rPr lang="en-US" dirty="0" smtClean="0"/>
+              <a:t>CREATE TABLE </a:t>
+            </a:r>
+            <a:r>
+              <a:rPr lang="en-US" dirty="0" err="1" smtClean="0"/>
+              <a:t>wallposts</a:t>
+            </a:r>
+            <a:r>
+              <a:rPr lang="en-US" dirty="0" smtClean="0"/>
+              <a:t> (</a:t>
+            </a:r>
+            <a:br>
+              <a:rPr lang="en-US" dirty="0" smtClean="0"/>
+            </a:br>
+            <a:r>
+              <a:rPr lang="en-US" dirty="0" smtClean="0"/>
+              <a:t>Username VARCHAR(20) NOT NULL,</a:t>
+            </a:r>
+            <a:br>
+              <a:rPr lang="en-US" dirty="0" smtClean="0"/>
+            </a:br>
+            <a:r>
+              <a:rPr lang="en-US" dirty="0" smtClean="0"/>
+              <a:t>Wall1 VARCHAR(20),</a:t>
+            </a:r>
+            <a:br>
+              <a:rPr lang="en-US" dirty="0" smtClean="0"/>
+            </a:br>
+            <a:r>
+              <a:rPr lang="en-US" dirty="0" smtClean="0"/>
+              <a:t>Wall2 VARCHAR(20),</a:t>
+            </a:r>
+            <a:br>
+              <a:rPr lang="en-US" dirty="0" smtClean="0"/>
+            </a:br>
+            <a:r>
+              <a:rPr lang="en-US" dirty="0" smtClean="0"/>
+              <a:t>Wall3 VARCHAR(20),</a:t>
+            </a:r>
+            <a:br>
+              <a:rPr lang="en-US" dirty="0" smtClean="0"/>
+            </a:br>
+            <a:r>
+              <a:rPr lang="en-US" dirty="0" smtClean="0"/>
+              <a:t>Wall4 VARCHAR(20),</a:t>
+            </a:r>
+            <a:br>
+              <a:rPr lang="en-US" dirty="0" smtClean="0"/>
+            </a:br>
+            <a:r>
+              <a:rPr lang="en-US" dirty="0" smtClean="0"/>
+              <a:t>Wall5 VARCHAR(20),</a:t>
+            </a:r>
+            <a:br>
+              <a:rPr lang="en-US" dirty="0" smtClean="0"/>
+            </a:br>
+            <a:r>
+              <a:rPr lang="en-US" dirty="0" smtClean="0"/>
+              <a:t>Wall6 VARCHAR(20),</a:t>
+            </a:r>
+            <a:br>
+              <a:rPr lang="en-US" dirty="0" smtClean="0"/>
+            </a:br>
+            <a:r>
+              <a:rPr lang="en-US" dirty="0" smtClean="0"/>
+              <a:t>Wall7 VARCHAR(20),</a:t>
+            </a:r>
+            <a:br>
+              <a:rPr lang="en-US" dirty="0" smtClean="0"/>
+            </a:br>
+            <a:r>
+              <a:rPr lang="en-US" dirty="0" smtClean="0"/>
+              <a:t>Wall8 VARCHAR(20),</a:t>
+            </a:r>
+            <a:br>
+              <a:rPr lang="en-US" dirty="0" smtClean="0"/>
+            </a:br>
+            <a:r>
+              <a:rPr lang="en-US" dirty="0" smtClean="0"/>
+              <a:t>Wall9 VARCHAR(20),</a:t>
+            </a:r>
+            <a:br>
+              <a:rPr lang="en-US" dirty="0" smtClean="0"/>
+            </a:br>
+            <a:r>
+              <a:rPr lang="en-US" dirty="0" smtClean="0"/>
+              <a:t>Wall10 VARCHAR(20),</a:t>
+            </a:r>
+            <a:br>
+              <a:rPr lang="en-US" dirty="0" smtClean="0"/>
+            </a:br>
+            <a:r>
+              <a:rPr lang="en-US" dirty="0" smtClean="0"/>
+              <a:t>FOREIGN KEY (Username) REFERENCES project3 (Username)</a:t>
+            </a:r>
+            <a:br>
+              <a:rPr lang="en-US" dirty="0" smtClean="0"/>
+            </a:br>
+            <a:r>
+              <a:rPr lang="en-US" dirty="0" smtClean="0"/>
+              <a:t>);</a:t>
+            </a:r>
+            <a:endParaRPr lang="en-US" dirty="0"/>
+          </a:p>
+        </p:txBody>
+      </p:sp>
+    </p:spTree>
+  </p:cSld>
+  <p:clrMapOvr>
+    <a:masterClrMapping/>
+  </p:clrMapOvr>
+</p:sld>
+</file>
+
+<file path=ppt/slides/slide8.xml><?xml version="1.0" encoding="utf-8"?>
+<p:sld xmlns:a="http://schemas.openxmlformats.org/drawingml/2006/main" xmlns:r="http://schemas.openxmlformats.org/officeDocument/2006/relationships" xmlns:p="http://schemas.openxmlformats.org/presentationml/2006/main">
+  <p:cSld>
+    <p:spTree>
+      <p:nvGrpSpPr>
+        <p:cNvPr id="1" name=""/>
+        <p:cNvGrpSpPr/>
+        <p:nvPr/>
+      </p:nvGrpSpPr>
+      <p:grpSpPr>
+        <a:xfrm>
+          <a:off x="0" y="0"/>
+          <a:ext cx="0" cy="0"/>
+          <a:chOff x="0" y="0"/>
+          <a:chExt cx="0" cy="0"/>
+        </a:xfrm>
+      </p:grpSpPr>
+      <p:sp>
+        <p:nvSpPr>
+          <p:cNvPr id="4" name="Title 3"/>
+          <p:cNvSpPr>
+            <a:spLocks noGrp="1"/>
+          </p:cNvSpPr>
+          <p:nvPr>
+            <p:ph type="title"/>
+          </p:nvPr>
+        </p:nvSpPr>
+        <p:spPr/>
+        <p:txBody>
+          <a:bodyPr/>
+          <a:lstStyle/>
+          <a:p>
+            <a:r>
+              <a:rPr lang="en-US" dirty="0" smtClean="0"/>
+              <a:t>Register</a:t>
+            </a:r>
+            <a:endParaRPr lang="en-US" dirty="0"/>
+          </a:p>
+        </p:txBody>
+      </p:sp>
+      <p:sp>
+        <p:nvSpPr>
+          <p:cNvPr id="5" name="Content Placeholder 4"/>
+          <p:cNvSpPr>
+            <a:spLocks noGrp="1"/>
+          </p:cNvSpPr>
+          <p:nvPr>
+            <p:ph sz="half" idx="1"/>
+          </p:nvPr>
+        </p:nvSpPr>
+        <p:spPr>
+          <a:xfrm>
+            <a:off x="228600" y="1752600"/>
+            <a:ext cx="2438400" cy="4525963"/>
+          </a:xfrm>
+        </p:spPr>
+        <p:txBody>
+          <a:bodyPr/>
+          <a:lstStyle/>
+          <a:p>
+            <a:r>
+              <a:rPr lang="en-US" dirty="0" smtClean="0"/>
+              <a:t>Username</a:t>
+            </a:r>
+          </a:p>
+          <a:p>
+            <a:pPr lvl="1"/>
+            <a:r>
+              <a:rPr lang="en-US" dirty="0" smtClean="0"/>
+              <a:t>Primary Key</a:t>
+            </a:r>
+          </a:p>
+          <a:p>
+            <a:r>
+              <a:rPr lang="en-US" dirty="0" smtClean="0"/>
+              <a:t>Password</a:t>
+            </a:r>
+          </a:p>
+          <a:p>
+            <a:pPr lvl="1"/>
+            <a:r>
+              <a:rPr lang="en-US" dirty="0" smtClean="0"/>
+              <a:t>Re-enter</a:t>
+            </a:r>
+          </a:p>
+          <a:p>
+            <a:r>
+              <a:rPr lang="en-US" dirty="0" smtClean="0"/>
+              <a:t>Icon</a:t>
+            </a:r>
+          </a:p>
+          <a:p>
+            <a:pPr lvl="1"/>
+            <a:r>
+              <a:rPr lang="en-US" dirty="0" smtClean="0"/>
+              <a:t>Choice of 6</a:t>
+            </a:r>
+          </a:p>
+          <a:p>
+            <a:r>
+              <a:rPr lang="en-US" dirty="0" smtClean="0"/>
+              <a:t>Background</a:t>
+            </a:r>
+          </a:p>
+          <a:p>
+            <a:pPr lvl="1"/>
+            <a:r>
+              <a:rPr lang="en-US" dirty="0" smtClean="0"/>
+              <a:t>Choice of 5</a:t>
+            </a:r>
+            <a:endParaRPr lang="en-US" dirty="0"/>
+          </a:p>
+        </p:txBody>
+      </p:sp>
+      <p:pic>
+        <p:nvPicPr>
+          <p:cNvPr id="3" name="Content Placeholder 2"/>
+          <p:cNvPicPr>
+            <a:picLocks noGrp="1" noChangeAspect="1"/>
+          </p:cNvPicPr>
+          <p:nvPr>
+            <p:ph sz="half" idx="2"/>
+          </p:nvPr>
+        </p:nvPicPr>
+        <p:blipFill>
+          <a:blip r:embed="rId2" cstate="print">
+            <a:extLst>
+              <a:ext uri="{28A0092B-C50C-407E-A947-70E740481C1C}">
+                <a14:useLocalDpi xmlns:a14="http://schemas.microsoft.com/office/drawing/2010/main" xmlns="" val="0"/>
+              </a:ext>
+            </a:extLst>
+          </a:blip>
+          <a:stretch>
+            <a:fillRect/>
+          </a:stretch>
+        </p:blipFill>
+        <p:spPr>
+          <a:xfrm>
+            <a:off x="2542308" y="1965080"/>
+            <a:ext cx="5157067" cy="3216520"/>
+          </a:xfrm>
+        </p:spPr>
+      </p:pic>
+    </p:spTree>
+  </p:cSld>
+  <p:clrMapOvr>
+    <a:masterClrMapping/>
+  </p:clrMapOvr>
+</p:sld>
+</file>
+
+<file path=ppt/slides/slide9.xml><?xml version="1.0" encoding="utf-8"?>
+<p:sld xmlns:a="http://schemas.openxmlformats.org/drawingml/2006/main" xmlns:r="http://schemas.openxmlformats.org/officeDocument/2006/relationships" xmlns:p="http://schemas.openxmlformats.org/presentationml/2006/main">
+  <p:cSld>
+    <p:spTree>
+      <p:nvGrpSpPr>
+        <p:cNvPr id="1" name=""/>
+        <p:cNvGrpSpPr/>
+        <p:nvPr/>
+      </p:nvGrpSpPr>
+      <p:grpSpPr>
+        <a:xfrm>
+          <a:off x="0" y="0"/>
+          <a:ext cx="0" cy="0"/>
+          <a:chOff x="0" y="0"/>
+          <a:chExt cx="0" cy="0"/>
+        </a:xfrm>
+      </p:grpSpPr>
+      <p:sp>
+        <p:nvSpPr>
           <p:cNvPr id="4" name="Title 3"/>
           <p:cNvSpPr>
             <a:spLocks noGrp="1"/>
@@ -4663,7 +6156,7 @@
           <a:blip r:embed="rId2" cstate="print">
             <a:extLst>
               <a:ext uri="{28A0092B-C50C-407E-A947-70E740481C1C}">
-                <a14:useLocalDpi xmlns="" xmlns:a14="http://schemas.microsoft.com/office/drawing/2010/main" val="0"/>
+                <a14:useLocalDpi xmlns:a14="http://schemas.microsoft.com/office/drawing/2010/main" xmlns="" val="0"/>
               </a:ext>
             </a:extLst>
           </a:blip>
@@ -4693,7 +6186,7 @@
           <a:blip r:embed="rId3" cstate="print">
             <a:extLst>
               <a:ext uri="{28A0092B-C50C-407E-A947-70E740481C1C}">
-                <a14:useLocalDpi xmlns="" xmlns:a14="http://schemas.microsoft.com/office/drawing/2010/main" val="0"/>
+                <a14:useLocalDpi xmlns:a14="http://schemas.microsoft.com/office/drawing/2010/main" xmlns="" val="0"/>
               </a:ext>
             </a:extLst>
           </a:blip>
@@ -4703,7 +6196,7 @@
         </p:blipFill>
         <p:spPr>
           <a:xfrm>
-            <a:off x="2451383" y="3124200"/>
+            <a:off x="2438400" y="3048000"/>
             <a:ext cx="2051539" cy="3352800"/>
           </a:xfrm>
           <a:prstGeom prst="rect">
@@ -4711,365 +6204,6 @@
           </a:prstGeom>
         </p:spPr>
       </p:pic>
-    </p:spTree>
-  </p:cSld>
-  <p:clrMapOvr>
-    <a:masterClrMapping/>
-  </p:clrMapOvr>
-</p:sld>
-</file>
-
-<file path=ppt/slides/slide7.xml><?xml version="1.0" encoding="utf-8"?>
-<p:sld xmlns:a="http://schemas.openxmlformats.org/drawingml/2006/main" xmlns:r="http://schemas.openxmlformats.org/officeDocument/2006/relationships" xmlns:p="http://schemas.openxmlformats.org/presentationml/2006/main">
-  <p:cSld>
-    <p:spTree>
-      <p:nvGrpSpPr>
-        <p:cNvPr id="1" name=""/>
-        <p:cNvGrpSpPr/>
-        <p:nvPr/>
-      </p:nvGrpSpPr>
-      <p:grpSpPr>
-        <a:xfrm>
-          <a:off x="0" y="0"/>
-          <a:ext cx="0" cy="0"/>
-          <a:chOff x="0" y="0"/>
-          <a:chExt cx="0" cy="0"/>
-        </a:xfrm>
-      </p:grpSpPr>
-      <p:sp>
-        <p:nvSpPr>
-          <p:cNvPr id="2" name="Title 1"/>
-          <p:cNvSpPr>
-            <a:spLocks noGrp="1"/>
-          </p:cNvSpPr>
-          <p:nvPr>
-            <p:ph type="title"/>
-          </p:nvPr>
-        </p:nvSpPr>
-        <p:spPr/>
-        <p:txBody>
-          <a:bodyPr/>
-          <a:lstStyle/>
-          <a:p>
-            <a:r>
-              <a:rPr lang="en-US" dirty="0" err="1" smtClean="0"/>
-              <a:t>User_home</a:t>
-            </a:r>
-            <a:endParaRPr lang="en-US" dirty="0"/>
-          </a:p>
-        </p:txBody>
-      </p:sp>
-      <p:sp>
-        <p:nvSpPr>
-          <p:cNvPr id="3" name="Content Placeholder 2"/>
-          <p:cNvSpPr>
-            <a:spLocks noGrp="1"/>
-          </p:cNvSpPr>
-          <p:nvPr>
-            <p:ph sz="half" idx="1"/>
-          </p:nvPr>
-        </p:nvSpPr>
-        <p:spPr/>
-        <p:txBody>
-          <a:bodyPr/>
-          <a:lstStyle/>
-          <a:p>
-            <a:r>
-              <a:rPr lang="en-US" dirty="0" smtClean="0"/>
-              <a:t>Username</a:t>
-            </a:r>
-          </a:p>
-          <a:p>
-            <a:r>
-              <a:rPr lang="en-US" dirty="0" smtClean="0"/>
-              <a:t>Icon</a:t>
-            </a:r>
-          </a:p>
-          <a:p>
-            <a:r>
-              <a:rPr lang="en-US" dirty="0" smtClean="0"/>
-              <a:t>Background image</a:t>
-            </a:r>
-          </a:p>
-          <a:p>
-            <a:r>
-              <a:rPr lang="en-US" dirty="0" smtClean="0"/>
-              <a:t>Friend list (auto populated from all users)</a:t>
-            </a:r>
-          </a:p>
-          <a:p>
-            <a:r>
-              <a:rPr lang="en-US" dirty="0" smtClean="0"/>
-              <a:t>Displays status edit</a:t>
-            </a:r>
-            <a:endParaRPr lang="en-US" dirty="0"/>
-          </a:p>
-        </p:txBody>
-      </p:sp>
-      <p:sp>
-        <p:nvSpPr>
-          <p:cNvPr id="6" name="Content Placeholder 5"/>
-          <p:cNvSpPr>
-            <a:spLocks noGrp="1"/>
-          </p:cNvSpPr>
-          <p:nvPr>
-            <p:ph sz="half" idx="2"/>
-          </p:nvPr>
-        </p:nvSpPr>
-        <p:spPr/>
-        <p:txBody>
-          <a:bodyPr/>
-          <a:lstStyle/>
-          <a:p>
-            <a:endParaRPr lang="en-US"/>
-          </a:p>
-        </p:txBody>
-      </p:sp>
-      <p:pic>
-        <p:nvPicPr>
-          <p:cNvPr id="4" name="Picture 3"/>
-          <p:cNvPicPr>
-            <a:picLocks noChangeAspect="1"/>
-          </p:cNvPicPr>
-          <p:nvPr/>
-        </p:nvPicPr>
-        <p:blipFill>
-          <a:blip r:embed="rId2" cstate="print">
-            <a:extLst>
-              <a:ext uri="{28A0092B-C50C-407E-A947-70E740481C1C}">
-                <a14:useLocalDpi xmlns="" xmlns:a14="http://schemas.microsoft.com/office/drawing/2010/main" val="0"/>
-              </a:ext>
-            </a:extLst>
-          </a:blip>
-          <a:stretch>
-            <a:fillRect/>
-          </a:stretch>
-        </p:blipFill>
-        <p:spPr>
-          <a:xfrm>
-            <a:off x="3842066" y="664536"/>
-            <a:ext cx="3817481" cy="5791200"/>
-          </a:xfrm>
-          <a:prstGeom prst="rect">
-            <a:avLst/>
-          </a:prstGeom>
-        </p:spPr>
-      </p:pic>
-    </p:spTree>
-  </p:cSld>
-  <p:clrMapOvr>
-    <a:masterClrMapping/>
-  </p:clrMapOvr>
-</p:sld>
-</file>
-
-<file path=ppt/slides/slide8.xml><?xml version="1.0" encoding="utf-8"?>
-<p:sld xmlns:a="http://schemas.openxmlformats.org/drawingml/2006/main" xmlns:r="http://schemas.openxmlformats.org/officeDocument/2006/relationships" xmlns:p="http://schemas.openxmlformats.org/presentationml/2006/main">
-  <p:cSld>
-    <p:spTree>
-      <p:nvGrpSpPr>
-        <p:cNvPr id="1" name=""/>
-        <p:cNvGrpSpPr/>
-        <p:nvPr/>
-      </p:nvGrpSpPr>
-      <p:grpSpPr>
-        <a:xfrm>
-          <a:off x="0" y="0"/>
-          <a:ext cx="0" cy="0"/>
-          <a:chOff x="0" y="0"/>
-          <a:chExt cx="0" cy="0"/>
-        </a:xfrm>
-      </p:grpSpPr>
-      <p:sp>
-        <p:nvSpPr>
-          <p:cNvPr id="5" name="Title 4"/>
-          <p:cNvSpPr>
-            <a:spLocks noGrp="1"/>
-          </p:cNvSpPr>
-          <p:nvPr>
-            <p:ph type="title"/>
-          </p:nvPr>
-        </p:nvSpPr>
-        <p:spPr/>
-        <p:txBody>
-          <a:bodyPr/>
-          <a:lstStyle/>
-          <a:p>
-            <a:r>
-              <a:rPr lang="en-US" dirty="0" err="1" smtClean="0"/>
-              <a:t>Friend_home</a:t>
-            </a:r>
-            <a:endParaRPr lang="en-US" dirty="0"/>
-          </a:p>
-        </p:txBody>
-      </p:sp>
-      <p:pic>
-        <p:nvPicPr>
-          <p:cNvPr id="7" name="Content Placeholder 6" descr="freindtest.PNG"/>
-          <p:cNvPicPr>
-            <a:picLocks noGrp="1" noChangeAspect="1"/>
-          </p:cNvPicPr>
-          <p:nvPr>
-            <p:ph idx="1"/>
-          </p:nvPr>
-        </p:nvPicPr>
-        <p:blipFill>
-          <a:blip r:embed="rId2"/>
-          <a:stretch>
-            <a:fillRect/>
-          </a:stretch>
-        </p:blipFill>
-        <p:spPr>
-          <a:xfrm>
-            <a:off x="457200" y="1673865"/>
-            <a:ext cx="7239000" cy="4718357"/>
-          </a:xfrm>
-        </p:spPr>
-      </p:pic>
-    </p:spTree>
-  </p:cSld>
-  <p:clrMapOvr>
-    <a:masterClrMapping/>
-  </p:clrMapOvr>
-</p:sld>
-</file>
-
-<file path=ppt/slides/slide9.xml><?xml version="1.0" encoding="utf-8"?>
-<p:sld xmlns:a="http://schemas.openxmlformats.org/drawingml/2006/main" xmlns:r="http://schemas.openxmlformats.org/officeDocument/2006/relationships" xmlns:p="http://schemas.openxmlformats.org/presentationml/2006/main">
-  <p:cSld>
-    <p:spTree>
-      <p:nvGrpSpPr>
-        <p:cNvPr id="1" name=""/>
-        <p:cNvGrpSpPr/>
-        <p:nvPr/>
-      </p:nvGrpSpPr>
-      <p:grpSpPr>
-        <a:xfrm>
-          <a:off x="0" y="0"/>
-          <a:ext cx="0" cy="0"/>
-          <a:chOff x="0" y="0"/>
-          <a:chExt cx="0" cy="0"/>
-        </a:xfrm>
-      </p:grpSpPr>
-      <p:sp>
-        <p:nvSpPr>
-          <p:cNvPr id="2" name="Title 1"/>
-          <p:cNvSpPr>
-            <a:spLocks noGrp="1"/>
-          </p:cNvSpPr>
-          <p:nvPr>
-            <p:ph type="title"/>
-          </p:nvPr>
-        </p:nvSpPr>
-        <p:spPr/>
-        <p:txBody>
-          <a:bodyPr/>
-          <a:lstStyle/>
-          <a:p>
-            <a:r>
-              <a:rPr lang="en-US" dirty="0" err="1" smtClean="0"/>
-              <a:t>Friend_home</a:t>
-            </a:r>
-            <a:endParaRPr lang="en-US" dirty="0"/>
-          </a:p>
-        </p:txBody>
-      </p:sp>
-      <p:sp>
-        <p:nvSpPr>
-          <p:cNvPr id="3" name="Content Placeholder 2"/>
-          <p:cNvSpPr>
-            <a:spLocks noGrp="1"/>
-          </p:cNvSpPr>
-          <p:nvPr>
-            <p:ph idx="1"/>
-          </p:nvPr>
-        </p:nvSpPr>
-        <p:spPr/>
-        <p:txBody>
-          <a:bodyPr/>
-          <a:lstStyle/>
-          <a:p>
-            <a:r>
-              <a:rPr lang="en-US" dirty="0" smtClean="0"/>
-              <a:t>All friend links go to same friend_home.php</a:t>
-            </a:r>
-          </a:p>
-          <a:p>
-            <a:r>
-              <a:rPr lang="en-US" dirty="0" smtClean="0"/>
-              <a:t>Display based on following</a:t>
-            </a:r>
-          </a:p>
-          <a:p>
-            <a:r>
-              <a:rPr lang="en-US" dirty="0" smtClean="0"/>
-              <a:t>&lt;a </a:t>
-            </a:r>
-            <a:r>
-              <a:rPr lang="en-US" dirty="0" err="1" smtClean="0"/>
-              <a:t>href</a:t>
-            </a:r>
-            <a:r>
-              <a:rPr lang="en-US" dirty="0" smtClean="0"/>
-              <a:t>='</a:t>
-            </a:r>
-            <a:r>
-              <a:rPr lang="en-US" dirty="0" err="1" smtClean="0"/>
-              <a:t>friend_home.php</a:t>
-            </a:r>
-            <a:r>
-              <a:rPr lang="en-US" dirty="0" err="1" smtClean="0">
-                <a:solidFill>
-                  <a:srgbClr val="FF0000"/>
-                </a:solidFill>
-              </a:rPr>
-              <a:t>?fname</a:t>
-            </a:r>
-            <a:r>
-              <a:rPr lang="en-US" dirty="0" smtClean="0">
-                <a:solidFill>
-                  <a:srgbClr val="FF0000"/>
-                </a:solidFill>
-              </a:rPr>
-              <a:t>=$friends</a:t>
-            </a:r>
-            <a:r>
-              <a:rPr lang="en-US" dirty="0" smtClean="0"/>
-              <a:t>'&gt;</a:t>
-            </a:r>
-          </a:p>
-          <a:p>
-            <a:r>
-              <a:rPr lang="en-US" dirty="0" smtClean="0"/>
-              <a:t>Doesn’t display status edit</a:t>
-            </a:r>
-          </a:p>
-          <a:p>
-            <a:r>
-              <a:rPr lang="en-US" dirty="0" smtClean="0"/>
-              <a:t>Displays wall post</a:t>
-            </a:r>
-          </a:p>
-          <a:p>
-            <a:endParaRPr lang="en-US" dirty="0" smtClean="0"/>
-          </a:p>
-          <a:p>
-            <a:r>
-              <a:rPr lang="en-US" dirty="0" smtClean="0"/>
-              <a:t>$sql2 = "UPDATE project3 SET Wall1='$wall' WHERE Username='$</a:t>
-            </a:r>
-            <a:r>
-              <a:rPr lang="en-US" dirty="0" err="1" smtClean="0"/>
-              <a:t>fname</a:t>
-            </a:r>
-            <a:r>
-              <a:rPr lang="en-US" dirty="0" smtClean="0"/>
-              <a:t>'";</a:t>
-            </a:r>
-            <a:endParaRPr lang="en-US" dirty="0"/>
-          </a:p>
-        </p:txBody>
-      </p:sp>
     </p:spTree>
   </p:cSld>
   <p:clrMapOvr>

--- a/Facespace.pptx
+++ b/Facespace.pptx
@@ -125,7 +125,7 @@
   </p:defaultTextStyle>
   <p:extLst>
     <p:ext uri="{EFAFB233-063F-42B5-8137-9DF3F51BA10A}">
-      <p15:sldGuideLst xmlns:p15="http://schemas.microsoft.com/office/powerpoint/2012/main" xmlns="">
+      <p15:sldGuideLst xmlns="" xmlns:p15="http://schemas.microsoft.com/office/powerpoint/2012/main">
         <p15:guide id="1" orient="horz" pos="2160">
           <p15:clr>
             <a:srgbClr val="A4A3A4"/>
@@ -413,7 +413,7 @@
             <a:fld id="{16016DCC-ECBA-4FE1-8A13-9AD3CBCC8FC8}" type="datetimeFigureOut">
               <a:rPr lang="en-US" smtClean="0"/>
               <a:pPr/>
-              <a:t>4/15/2018</a:t>
+              <a:t>4/16/2018</a:t>
             </a:fld>
             <a:endParaRPr lang="en-US"/>
           </a:p>
@@ -614,7 +614,7 @@
             <a:fld id="{16016DCC-ECBA-4FE1-8A13-9AD3CBCC8FC8}" type="datetimeFigureOut">
               <a:rPr lang="en-US" smtClean="0"/>
               <a:pPr/>
-              <a:t>4/15/2018</a:t>
+              <a:t>4/16/2018</a:t>
             </a:fld>
             <a:endParaRPr lang="en-US"/>
           </a:p>
@@ -806,7 +806,7 @@
             <a:fld id="{16016DCC-ECBA-4FE1-8A13-9AD3CBCC8FC8}" type="datetimeFigureOut">
               <a:rPr lang="en-US" smtClean="0"/>
               <a:pPr/>
-              <a:t>4/15/2018</a:t>
+              <a:t>4/16/2018</a:t>
             </a:fld>
             <a:endParaRPr lang="en-US"/>
           </a:p>
@@ -1000,7 +1000,7 @@
             <a:fld id="{16016DCC-ECBA-4FE1-8A13-9AD3CBCC8FC8}" type="datetimeFigureOut">
               <a:rPr lang="en-US" smtClean="0"/>
               <a:pPr/>
-              <a:t>4/15/2018</a:t>
+              <a:t>4/16/2018</a:t>
             </a:fld>
             <a:endParaRPr lang="en-US"/>
           </a:p>
@@ -1228,7 +1228,7 @@
             <a:fld id="{16016DCC-ECBA-4FE1-8A13-9AD3CBCC8FC8}" type="datetimeFigureOut">
               <a:rPr lang="en-US" smtClean="0"/>
               <a:pPr/>
-              <a:t>4/15/2018</a:t>
+              <a:t>4/16/2018</a:t>
             </a:fld>
             <a:endParaRPr lang="en-US"/>
           </a:p>
@@ -1521,7 +1521,7 @@
             <a:fld id="{16016DCC-ECBA-4FE1-8A13-9AD3CBCC8FC8}" type="datetimeFigureOut">
               <a:rPr lang="en-US" smtClean="0"/>
               <a:pPr/>
-              <a:t>4/15/2018</a:t>
+              <a:t>4/16/2018</a:t>
             </a:fld>
             <a:endParaRPr lang="en-US"/>
           </a:p>
@@ -1954,7 +1954,7 @@
             <a:fld id="{16016DCC-ECBA-4FE1-8A13-9AD3CBCC8FC8}" type="datetimeFigureOut">
               <a:rPr lang="en-US" smtClean="0"/>
               <a:pPr/>
-              <a:t>4/15/2018</a:t>
+              <a:t>4/16/2018</a:t>
             </a:fld>
             <a:endParaRPr lang="en-US"/>
           </a:p>
@@ -2082,7 +2082,7 @@
             <a:fld id="{16016DCC-ECBA-4FE1-8A13-9AD3CBCC8FC8}" type="datetimeFigureOut">
               <a:rPr lang="en-US" smtClean="0"/>
               <a:pPr/>
-              <a:t>4/15/2018</a:t>
+              <a:t>4/16/2018</a:t>
             </a:fld>
             <a:endParaRPr lang="en-US"/>
           </a:p>
@@ -2187,7 +2187,7 @@
             <a:fld id="{16016DCC-ECBA-4FE1-8A13-9AD3CBCC8FC8}" type="datetimeFigureOut">
               <a:rPr lang="en-US" smtClean="0"/>
               <a:pPr/>
-              <a:t>4/15/2018</a:t>
+              <a:t>4/16/2018</a:t>
             </a:fld>
             <a:endParaRPr lang="en-US"/>
           </a:p>
@@ -2458,7 +2458,7 @@
             <a:fld id="{16016DCC-ECBA-4FE1-8A13-9AD3CBCC8FC8}" type="datetimeFigureOut">
               <a:rPr lang="en-US" smtClean="0"/>
               <a:pPr/>
-              <a:t>4/15/2018</a:t>
+              <a:t>4/16/2018</a:t>
             </a:fld>
             <a:endParaRPr lang="en-US"/>
           </a:p>
@@ -2824,7 +2824,7 @@
             <a:fld id="{16016DCC-ECBA-4FE1-8A13-9AD3CBCC8FC8}" type="datetimeFigureOut">
               <a:rPr lang="en-US" smtClean="0"/>
               <a:pPr/>
-              <a:t>4/15/2018</a:t>
+              <a:t>4/16/2018</a:t>
             </a:fld>
             <a:endParaRPr lang="en-US"/>
           </a:p>
@@ -3181,7 +3181,7 @@
             <a:fld id="{16016DCC-ECBA-4FE1-8A13-9AD3CBCC8FC8}" type="datetimeFigureOut">
               <a:rPr lang="en-US" smtClean="0"/>
               <a:pPr/>
-              <a:t>4/15/2018</a:t>
+              <a:t>4/16/2018</a:t>
             </a:fld>
             <a:endParaRPr lang="en-US"/>
           </a:p>
@@ -4247,25 +4247,29 @@
           </a:p>
         </p:txBody>
       </p:sp>
-      <p:sp>
-        <p:nvSpPr>
-          <p:cNvPr id="3" name="Content Placeholder 2"/>
-          <p:cNvSpPr>
-            <a:spLocks noGrp="1"/>
-          </p:cNvSpPr>
+      <p:pic>
+        <p:nvPicPr>
+          <p:cNvPr id="7" name="Content Placeholder 6" descr="styled.PNG"/>
+          <p:cNvPicPr>
+            <a:picLocks noGrp="1" noChangeAspect="1"/>
+          </p:cNvPicPr>
           <p:nvPr>
             <p:ph sz="half" idx="1"/>
           </p:nvPr>
-        </p:nvSpPr>
-        <p:spPr/>
-        <p:txBody>
-          <a:bodyPr/>
-          <a:lstStyle/>
-          <a:p>
-            <a:endParaRPr lang="en-US" dirty="0"/>
-          </a:p>
-        </p:txBody>
-      </p:sp>
+        </p:nvPicPr>
+        <p:blipFill>
+          <a:blip r:embed="rId2"/>
+          <a:stretch>
+            <a:fillRect/>
+          </a:stretch>
+        </p:blipFill>
+        <p:spPr>
+          <a:xfrm>
+            <a:off x="152400" y="2286000"/>
+            <a:ext cx="5024868" cy="2427796"/>
+          </a:xfrm>
+        </p:spPr>
+      </p:pic>
       <p:sp>
         <p:nvSpPr>
           <p:cNvPr id="6" name="Content Placeholder 5"/>
@@ -4294,10 +4298,10 @@
           <p:nvPr/>
         </p:nvPicPr>
         <p:blipFill>
-          <a:blip r:embed="rId2" cstate="print">
+          <a:blip r:embed="rId3" cstate="print">
             <a:extLst>
               <a:ext uri="{28A0092B-C50C-407E-A947-70E740481C1C}">
-                <a14:useLocalDpi xmlns:a14="http://schemas.microsoft.com/office/drawing/2010/main" xmlns="" val="0"/>
+                <a14:useLocalDpi xmlns="" xmlns:a14="http://schemas.microsoft.com/office/drawing/2010/main" val="0"/>
               </a:ext>
             </a:extLst>
           </a:blip>
@@ -4307,7 +4311,7 @@
         </p:blipFill>
         <p:spPr>
           <a:xfrm>
-            <a:off x="3842066" y="664536"/>
+            <a:off x="5105400" y="609600"/>
             <a:ext cx="3817481" cy="5791200"/>
           </a:xfrm>
           <a:prstGeom prst="rect">
@@ -4381,9 +4385,35 @@
         </p:blipFill>
         <p:spPr>
           <a:xfrm>
-            <a:off x="457200" y="1673865"/>
-            <a:ext cx="7239000" cy="4718357"/>
+            <a:off x="3733800" y="0"/>
+            <a:ext cx="5410200" cy="3526351"/>
           </a:xfrm>
+        </p:spPr>
+      </p:pic>
+      <p:pic>
+        <p:nvPicPr>
+          <p:cNvPr id="2050" name="Picture 2" descr="C:\Users\ReBoot\Pictures\webfinal\friend.PNG"/>
+          <p:cNvPicPr>
+            <a:picLocks noChangeAspect="1" noChangeArrowheads="1"/>
+          </p:cNvPicPr>
+          <p:nvPr/>
+        </p:nvPicPr>
+        <p:blipFill>
+          <a:blip r:embed="rId3"/>
+          <a:srcRect/>
+          <a:stretch>
+            <a:fillRect/>
+          </a:stretch>
+        </p:blipFill>
+        <p:spPr bwMode="auto">
+          <a:xfrm>
+            <a:off x="228599" y="3505200"/>
+            <a:ext cx="7298063" cy="3352800"/>
+          </a:xfrm>
+          <a:prstGeom prst="rect">
+            <a:avLst/>
+          </a:prstGeom>
+          <a:noFill/>
         </p:spPr>
       </p:pic>
     </p:spTree>
@@ -4516,7 +4546,23 @@
           <a:p>
             <a:r>
               <a:rPr lang="en-US" dirty="0" smtClean="0"/>
-              <a:t>$sql2 = "UPDATE project3 SET Wall1='$wall' WHERE Username='$</a:t>
+              <a:t>$sql2 = "UPDATE </a:t>
+            </a:r>
+            <a:r>
+              <a:rPr lang="en-US" dirty="0" err="1" smtClean="0">
+                <a:solidFill>
+                  <a:srgbClr val="FF0000"/>
+                </a:solidFill>
+              </a:rPr>
+              <a:t>wallposts</a:t>
+            </a:r>
+            <a:r>
+              <a:rPr lang="en-US" dirty="0" smtClean="0"/>
+              <a:t> </a:t>
+            </a:r>
+            <a:r>
+              <a:rPr lang="en-US" dirty="0" smtClean="0"/>
+              <a:t>SET Wall1='$wall' WHERE Username='$</a:t>
             </a:r>
             <a:r>
               <a:rPr lang="en-US" dirty="0" err="1" smtClean="0"/>
@@ -6026,7 +6072,7 @@
           <a:blip r:embed="rId2" cstate="print">
             <a:extLst>
               <a:ext uri="{28A0092B-C50C-407E-A947-70E740481C1C}">
-                <a14:useLocalDpi xmlns:a14="http://schemas.microsoft.com/office/drawing/2010/main" xmlns="" val="0"/>
+                <a14:useLocalDpi xmlns="" xmlns:a14="http://schemas.microsoft.com/office/drawing/2010/main" val="0"/>
               </a:ext>
             </a:extLst>
           </a:blip>
@@ -6138,7 +6184,18 @@
           <a:p>
             <a:r>
               <a:rPr lang="en-US" dirty="0" smtClean="0"/>
-              <a:t>Now With Preview</a:t>
+              <a:t>Now With </a:t>
+            </a:r>
+            <a:r>
+              <a:rPr lang="en-US" dirty="0" smtClean="0"/>
+              <a:t>Preview</a:t>
+            </a:r>
+          </a:p>
+          <a:p>
+            <a:pPr lvl="1"/>
+            <a:r>
+              <a:rPr lang="en-US" dirty="0" err="1" smtClean="0"/>
+              <a:t>Position:absolute</a:t>
             </a:r>
             <a:endParaRPr lang="en-US" dirty="0"/>
           </a:p>
@@ -6156,7 +6213,7 @@
           <a:blip r:embed="rId2" cstate="print">
             <a:extLst>
               <a:ext uri="{28A0092B-C50C-407E-A947-70E740481C1C}">
-                <a14:useLocalDpi xmlns:a14="http://schemas.microsoft.com/office/drawing/2010/main" xmlns="" val="0"/>
+                <a14:useLocalDpi xmlns="" xmlns:a14="http://schemas.microsoft.com/office/drawing/2010/main" val="0"/>
               </a:ext>
             </a:extLst>
           </a:blip>
@@ -6186,7 +6243,7 @@
           <a:blip r:embed="rId3" cstate="print">
             <a:extLst>
               <a:ext uri="{28A0092B-C50C-407E-A947-70E740481C1C}">
-                <a14:useLocalDpi xmlns:a14="http://schemas.microsoft.com/office/drawing/2010/main" xmlns="" val="0"/>
+                <a14:useLocalDpi xmlns="" xmlns:a14="http://schemas.microsoft.com/office/drawing/2010/main" val="0"/>
               </a:ext>
             </a:extLst>
           </a:blip>
@@ -6202,6 +6259,32 @@
           <a:prstGeom prst="rect">
             <a:avLst/>
           </a:prstGeom>
+        </p:spPr>
+      </p:pic>
+      <p:pic>
+        <p:nvPicPr>
+          <p:cNvPr id="1026" name="Picture 2" descr="C:\Users\ReBoot\Pictures\webfinal\preview.PNG"/>
+          <p:cNvPicPr>
+            <a:picLocks noChangeAspect="1" noChangeArrowheads="1"/>
+          </p:cNvPicPr>
+          <p:nvPr/>
+        </p:nvPicPr>
+        <p:blipFill>
+          <a:blip r:embed="rId4"/>
+          <a:srcRect/>
+          <a:stretch>
+            <a:fillRect/>
+          </a:stretch>
+        </p:blipFill>
+        <p:spPr bwMode="auto">
+          <a:xfrm>
+            <a:off x="4495800" y="2743200"/>
+            <a:ext cx="3486150" cy="2124075"/>
+          </a:xfrm>
+          <a:prstGeom prst="rect">
+            <a:avLst/>
+          </a:prstGeom>
+          <a:noFill/>
         </p:spPr>
       </p:pic>
     </p:spTree>
